--- a/docs/RigidBodyFDM/Examples/sampleAircrafts/makeFigs.pptx
+++ b/docs/RigidBodyFDM/Examples/sampleAircrafts/makeFigs.pptx
@@ -270,7 +270,7 @@
           <a:p>
             <a:fld id="{E1F795E6-2E0D-4176-B7D4-260DEA5FD07E}" type="datetimeFigureOut">
               <a:rPr kumimoji="1" lang="ja-JP" altLang="en-US" smtClean="0"/>
-              <a:t>2021/6/2</a:t>
+              <a:t>2021/6/5</a:t>
             </a:fld>
             <a:endParaRPr kumimoji="1" lang="ja-JP" altLang="en-US"/>
           </a:p>
@@ -500,7 +500,7 @@
           <a:p>
             <a:fld id="{E1F795E6-2E0D-4176-B7D4-260DEA5FD07E}" type="datetimeFigureOut">
               <a:rPr kumimoji="1" lang="ja-JP" altLang="en-US" smtClean="0"/>
-              <a:t>2021/6/2</a:t>
+              <a:t>2021/6/5</a:t>
             </a:fld>
             <a:endParaRPr kumimoji="1" lang="ja-JP" altLang="en-US"/>
           </a:p>
@@ -740,7 +740,7 @@
           <a:p>
             <a:fld id="{E1F795E6-2E0D-4176-B7D4-260DEA5FD07E}" type="datetimeFigureOut">
               <a:rPr kumimoji="1" lang="ja-JP" altLang="en-US" smtClean="0"/>
-              <a:t>2021/6/2</a:t>
+              <a:t>2021/6/5</a:t>
             </a:fld>
             <a:endParaRPr kumimoji="1" lang="ja-JP" altLang="en-US"/>
           </a:p>
@@ -970,7 +970,7 @@
           <a:p>
             <a:fld id="{E1F795E6-2E0D-4176-B7D4-260DEA5FD07E}" type="datetimeFigureOut">
               <a:rPr kumimoji="1" lang="ja-JP" altLang="en-US" smtClean="0"/>
-              <a:t>2021/6/2</a:t>
+              <a:t>2021/6/5</a:t>
             </a:fld>
             <a:endParaRPr kumimoji="1" lang="ja-JP" altLang="en-US"/>
           </a:p>
@@ -1245,7 +1245,7 @@
           <a:p>
             <a:fld id="{E1F795E6-2E0D-4176-B7D4-260DEA5FD07E}" type="datetimeFigureOut">
               <a:rPr kumimoji="1" lang="ja-JP" altLang="en-US" smtClean="0"/>
-              <a:t>2021/6/2</a:t>
+              <a:t>2021/6/5</a:t>
             </a:fld>
             <a:endParaRPr kumimoji="1" lang="ja-JP" altLang="en-US"/>
           </a:p>
@@ -1574,7 +1574,7 @@
           <a:p>
             <a:fld id="{E1F795E6-2E0D-4176-B7D4-260DEA5FD07E}" type="datetimeFigureOut">
               <a:rPr kumimoji="1" lang="ja-JP" altLang="en-US" smtClean="0"/>
-              <a:t>2021/6/2</a:t>
+              <a:t>2021/6/5</a:t>
             </a:fld>
             <a:endParaRPr kumimoji="1" lang="ja-JP" altLang="en-US"/>
           </a:p>
@@ -2050,7 +2050,7 @@
           <a:p>
             <a:fld id="{E1F795E6-2E0D-4176-B7D4-260DEA5FD07E}" type="datetimeFigureOut">
               <a:rPr kumimoji="1" lang="ja-JP" altLang="en-US" smtClean="0"/>
-              <a:t>2021/6/2</a:t>
+              <a:t>2021/6/5</a:t>
             </a:fld>
             <a:endParaRPr kumimoji="1" lang="ja-JP" altLang="en-US"/>
           </a:p>
@@ -2191,7 +2191,7 @@
           <a:p>
             <a:fld id="{E1F795E6-2E0D-4176-B7D4-260DEA5FD07E}" type="datetimeFigureOut">
               <a:rPr kumimoji="1" lang="ja-JP" altLang="en-US" smtClean="0"/>
-              <a:t>2021/6/2</a:t>
+              <a:t>2021/6/5</a:t>
             </a:fld>
             <a:endParaRPr kumimoji="1" lang="ja-JP" altLang="en-US"/>
           </a:p>
@@ -2304,7 +2304,7 @@
           <a:p>
             <a:fld id="{E1F795E6-2E0D-4176-B7D4-260DEA5FD07E}" type="datetimeFigureOut">
               <a:rPr kumimoji="1" lang="ja-JP" altLang="en-US" smtClean="0"/>
-              <a:t>2021/6/2</a:t>
+              <a:t>2021/6/5</a:t>
             </a:fld>
             <a:endParaRPr kumimoji="1" lang="ja-JP" altLang="en-US"/>
           </a:p>
@@ -2647,7 +2647,7 @@
           <a:p>
             <a:fld id="{E1F795E6-2E0D-4176-B7D4-260DEA5FD07E}" type="datetimeFigureOut">
               <a:rPr kumimoji="1" lang="ja-JP" altLang="en-US" smtClean="0"/>
-              <a:t>2021/6/2</a:t>
+              <a:t>2021/6/5</a:t>
             </a:fld>
             <a:endParaRPr kumimoji="1" lang="ja-JP" altLang="en-US"/>
           </a:p>
@@ -2935,7 +2935,7 @@
           <a:p>
             <a:fld id="{E1F795E6-2E0D-4176-B7D4-260DEA5FD07E}" type="datetimeFigureOut">
               <a:rPr kumimoji="1" lang="ja-JP" altLang="en-US" smtClean="0"/>
-              <a:t>2021/6/2</a:t>
+              <a:t>2021/6/5</a:t>
             </a:fld>
             <a:endParaRPr kumimoji="1" lang="ja-JP" altLang="en-US"/>
           </a:p>
@@ -3208,7 +3208,7 @@
           <a:p>
             <a:fld id="{E1F795E6-2E0D-4176-B7D4-260DEA5FD07E}" type="datetimeFigureOut">
               <a:rPr kumimoji="1" lang="ja-JP" altLang="en-US" smtClean="0"/>
-              <a:t>2021/6/2</a:t>
+              <a:t>2021/6/5</a:t>
             </a:fld>
             <a:endParaRPr kumimoji="1" lang="ja-JP" altLang="en-US"/>
           </a:p>
@@ -3853,7 +3853,7 @@
                 <a:latin typeface="Arial" panose="020B0604020202020204" pitchFamily="34" charset="0"/>
                 <a:cs typeface="Arial" panose="020B0604020202020204" pitchFamily="34" charset="0"/>
               </a:rPr>
-              <a:t>Control inputs:</a:t>
+              <a:t>Flight control inputs:</a:t>
             </a:r>
           </a:p>
           <a:p>
@@ -4133,8 +4133,8 @@
         </p:nvSpPr>
         <p:spPr>
           <a:xfrm>
-            <a:off x="2226644" y="494307"/>
-            <a:ext cx="1619137" cy="324678"/>
+            <a:off x="2226644" y="381663"/>
+            <a:ext cx="1725154" cy="437322"/>
           </a:xfrm>
           <a:prstGeom prst="rect">
             <a:avLst/>
@@ -4161,7 +4161,7 @@
                 <a:latin typeface="Arial" panose="020B0604020202020204" pitchFamily="34" charset="0"/>
                 <a:cs typeface="Arial" panose="020B0604020202020204" pitchFamily="34" charset="0"/>
               </a:rPr>
-              <a:t>This outer component provides “g” value to dynamics component</a:t>
+              <a:t>This outer component provides global constants, such as “g” value, to dynamics component</a:t>
             </a:r>
             <a:endParaRPr lang="ja-JP" altLang="en-US" sz="726" dirty="0">
               <a:latin typeface="Arial" panose="020B0604020202020204" pitchFamily="34" charset="0"/>
@@ -4188,7 +4188,7 @@
         <p:spPr>
           <a:xfrm flipH="1">
             <a:off x="2703443" y="818985"/>
-            <a:ext cx="332770" cy="349857"/>
+            <a:ext cx="385778" cy="349857"/>
           </a:xfrm>
           <a:prstGeom prst="straightConnector1">
             <a:avLst/>

--- a/docs/RigidBodyFDM/Examples/sampleAircrafts/makeFigs.pptx
+++ b/docs/RigidBodyFDM/Examples/sampleAircrafts/makeFigs.pptx
@@ -7,6 +7,9 @@
   <p:sldIdLst>
     <p:sldId id="256" r:id="rId2"/>
     <p:sldId id="261" r:id="rId3"/>
+    <p:sldId id="262" r:id="rId4"/>
+    <p:sldId id="263" r:id="rId5"/>
+    <p:sldId id="264" r:id="rId6"/>
   </p:sldIdLst>
   <p:sldSz cx="12192000" cy="6858000"/>
   <p:notesSz cx="6858000" cy="9144000"/>
@@ -114,6 +117,17 @@
             <p14:sldId id="261"/>
           </p14:sldIdLst>
         </p14:section>
+        <p14:section name="タイトルなしのセクション" id="{F5B7486E-C0CA-4101-90B5-16C91E987E02}">
+          <p14:sldIdLst>
+            <p14:sldId id="262"/>
+            <p14:sldId id="263"/>
+          </p14:sldIdLst>
+        </p14:section>
+        <p14:section name="タイトルなしのセクション" id="{C7579854-C776-46DD-BF46-2DBCAA638660}">
+          <p14:sldIdLst>
+            <p14:sldId id="264"/>
+          </p14:sldIdLst>
+        </p14:section>
       </p14:sectionLst>
     </p:ext>
     <p:ext uri="{EFAFB233-063F-42B5-8137-9DF3F51BA10A}">
@@ -270,7 +284,7 @@
           <a:p>
             <a:fld id="{E1F795E6-2E0D-4176-B7D4-260DEA5FD07E}" type="datetimeFigureOut">
               <a:rPr kumimoji="1" lang="ja-JP" altLang="en-US" smtClean="0"/>
-              <a:t>2021/6/5</a:t>
+              <a:t>2021/7/1</a:t>
             </a:fld>
             <a:endParaRPr kumimoji="1" lang="ja-JP" altLang="en-US"/>
           </a:p>
@@ -500,7 +514,7 @@
           <a:p>
             <a:fld id="{E1F795E6-2E0D-4176-B7D4-260DEA5FD07E}" type="datetimeFigureOut">
               <a:rPr kumimoji="1" lang="ja-JP" altLang="en-US" smtClean="0"/>
-              <a:t>2021/6/5</a:t>
+              <a:t>2021/7/1</a:t>
             </a:fld>
             <a:endParaRPr kumimoji="1" lang="ja-JP" altLang="en-US"/>
           </a:p>
@@ -740,7 +754,7 @@
           <a:p>
             <a:fld id="{E1F795E6-2E0D-4176-B7D4-260DEA5FD07E}" type="datetimeFigureOut">
               <a:rPr kumimoji="1" lang="ja-JP" altLang="en-US" smtClean="0"/>
-              <a:t>2021/6/5</a:t>
+              <a:t>2021/7/1</a:t>
             </a:fld>
             <a:endParaRPr kumimoji="1" lang="ja-JP" altLang="en-US"/>
           </a:p>
@@ -970,7 +984,7 @@
           <a:p>
             <a:fld id="{E1F795E6-2E0D-4176-B7D4-260DEA5FD07E}" type="datetimeFigureOut">
               <a:rPr kumimoji="1" lang="ja-JP" altLang="en-US" smtClean="0"/>
-              <a:t>2021/6/5</a:t>
+              <a:t>2021/7/1</a:t>
             </a:fld>
             <a:endParaRPr kumimoji="1" lang="ja-JP" altLang="en-US"/>
           </a:p>
@@ -1245,7 +1259,7 @@
           <a:p>
             <a:fld id="{E1F795E6-2E0D-4176-B7D4-260DEA5FD07E}" type="datetimeFigureOut">
               <a:rPr kumimoji="1" lang="ja-JP" altLang="en-US" smtClean="0"/>
-              <a:t>2021/6/5</a:t>
+              <a:t>2021/7/1</a:t>
             </a:fld>
             <a:endParaRPr kumimoji="1" lang="ja-JP" altLang="en-US"/>
           </a:p>
@@ -1574,7 +1588,7 @@
           <a:p>
             <a:fld id="{E1F795E6-2E0D-4176-B7D4-260DEA5FD07E}" type="datetimeFigureOut">
               <a:rPr kumimoji="1" lang="ja-JP" altLang="en-US" smtClean="0"/>
-              <a:t>2021/6/5</a:t>
+              <a:t>2021/7/1</a:t>
             </a:fld>
             <a:endParaRPr kumimoji="1" lang="ja-JP" altLang="en-US"/>
           </a:p>
@@ -2050,7 +2064,7 @@
           <a:p>
             <a:fld id="{E1F795E6-2E0D-4176-B7D4-260DEA5FD07E}" type="datetimeFigureOut">
               <a:rPr kumimoji="1" lang="ja-JP" altLang="en-US" smtClean="0"/>
-              <a:t>2021/6/5</a:t>
+              <a:t>2021/7/1</a:t>
             </a:fld>
             <a:endParaRPr kumimoji="1" lang="ja-JP" altLang="en-US"/>
           </a:p>
@@ -2191,7 +2205,7 @@
           <a:p>
             <a:fld id="{E1F795E6-2E0D-4176-B7D4-260DEA5FD07E}" type="datetimeFigureOut">
               <a:rPr kumimoji="1" lang="ja-JP" altLang="en-US" smtClean="0"/>
-              <a:t>2021/6/5</a:t>
+              <a:t>2021/7/1</a:t>
             </a:fld>
             <a:endParaRPr kumimoji="1" lang="ja-JP" altLang="en-US"/>
           </a:p>
@@ -2304,7 +2318,7 @@
           <a:p>
             <a:fld id="{E1F795E6-2E0D-4176-B7D4-260DEA5FD07E}" type="datetimeFigureOut">
               <a:rPr kumimoji="1" lang="ja-JP" altLang="en-US" smtClean="0"/>
-              <a:t>2021/6/5</a:t>
+              <a:t>2021/7/1</a:t>
             </a:fld>
             <a:endParaRPr kumimoji="1" lang="ja-JP" altLang="en-US"/>
           </a:p>
@@ -2647,7 +2661,7 @@
           <a:p>
             <a:fld id="{E1F795E6-2E0D-4176-B7D4-260DEA5FD07E}" type="datetimeFigureOut">
               <a:rPr kumimoji="1" lang="ja-JP" altLang="en-US" smtClean="0"/>
-              <a:t>2021/6/5</a:t>
+              <a:t>2021/7/1</a:t>
             </a:fld>
             <a:endParaRPr kumimoji="1" lang="ja-JP" altLang="en-US"/>
           </a:p>
@@ -2935,7 +2949,7 @@
           <a:p>
             <a:fld id="{E1F795E6-2E0D-4176-B7D4-260DEA5FD07E}" type="datetimeFigureOut">
               <a:rPr kumimoji="1" lang="ja-JP" altLang="en-US" smtClean="0"/>
-              <a:t>2021/6/5</a:t>
+              <a:t>2021/7/1</a:t>
             </a:fld>
             <a:endParaRPr kumimoji="1" lang="ja-JP" altLang="en-US"/>
           </a:p>
@@ -3208,7 +3222,7 @@
           <a:p>
             <a:fld id="{E1F795E6-2E0D-4176-B7D4-260DEA5FD07E}" type="datetimeFigureOut">
               <a:rPr kumimoji="1" lang="ja-JP" altLang="en-US" smtClean="0"/>
-              <a:t>2021/6/5</a:t>
+              <a:t>2021/7/1</a:t>
             </a:fld>
             <a:endParaRPr kumimoji="1" lang="ja-JP" altLang="en-US"/>
           </a:p>
@@ -4228,6 +4242,657 @@
 </p:sld>
 </file>
 
+<file path=ppt/slides/slide3.xml><?xml version="1.0" encoding="utf-8"?>
+<p:sld xmlns:a="http://schemas.openxmlformats.org/drawingml/2006/main" xmlns:r="http://schemas.openxmlformats.org/officeDocument/2006/relationships" xmlns:p="http://schemas.openxmlformats.org/presentationml/2006/main">
+  <p:cSld>
+    <p:spTree>
+      <p:nvGrpSpPr>
+        <p:cNvPr id="1" name=""/>
+        <p:cNvGrpSpPr/>
+        <p:nvPr/>
+      </p:nvGrpSpPr>
+      <p:grpSpPr>
+        <a:xfrm>
+          <a:off x="0" y="0"/>
+          <a:ext cx="0" cy="0"/>
+          <a:chOff x="0" y="0"/>
+          <a:chExt cx="0" cy="0"/>
+        </a:xfrm>
+      </p:grpSpPr>
+      <p:pic>
+        <p:nvPicPr>
+          <p:cNvPr id="3" name="図 2">
+            <a:extLst>
+              <a:ext uri="{FF2B5EF4-FFF2-40B4-BE49-F238E27FC236}">
+                <a16:creationId xmlns:a16="http://schemas.microsoft.com/office/drawing/2014/main" id="{3FB49A43-D862-4574-902A-13BCAF368362}"/>
+              </a:ext>
+            </a:extLst>
+          </p:cNvPr>
+          <p:cNvPicPr>
+            <a:picLocks noChangeAspect="1"/>
+          </p:cNvPicPr>
+          <p:nvPr/>
+        </p:nvPicPr>
+        <p:blipFill>
+          <a:blip r:embed="rId2"/>
+          <a:stretch>
+            <a:fillRect/>
+          </a:stretch>
+        </p:blipFill>
+        <p:spPr>
+          <a:xfrm>
+            <a:off x="2259211" y="303307"/>
+            <a:ext cx="7371428" cy="5933333"/>
+          </a:xfrm>
+          <a:prstGeom prst="rect">
+            <a:avLst/>
+          </a:prstGeom>
+        </p:spPr>
+      </p:pic>
+    </p:spTree>
+    <p:extLst>
+      <p:ext uri="{BB962C8B-B14F-4D97-AF65-F5344CB8AC3E}">
+        <p14:creationId xmlns:p14="http://schemas.microsoft.com/office/powerpoint/2010/main" val="840991514"/>
+      </p:ext>
+    </p:extLst>
+  </p:cSld>
+  <p:clrMapOvr>
+    <a:masterClrMapping/>
+  </p:clrMapOvr>
+</p:sld>
+</file>
+
+<file path=ppt/slides/slide4.xml><?xml version="1.0" encoding="utf-8"?>
+<p:sld xmlns:a="http://schemas.openxmlformats.org/drawingml/2006/main" xmlns:r="http://schemas.openxmlformats.org/officeDocument/2006/relationships" xmlns:p="http://schemas.openxmlformats.org/presentationml/2006/main">
+  <p:cSld>
+    <p:spTree>
+      <p:nvGrpSpPr>
+        <p:cNvPr id="1" name=""/>
+        <p:cNvGrpSpPr/>
+        <p:nvPr/>
+      </p:nvGrpSpPr>
+      <p:grpSpPr>
+        <a:xfrm>
+          <a:off x="0" y="0"/>
+          <a:ext cx="0" cy="0"/>
+          <a:chOff x="0" y="0"/>
+          <a:chExt cx="0" cy="0"/>
+        </a:xfrm>
+      </p:grpSpPr>
+      <p:pic>
+        <p:nvPicPr>
+          <p:cNvPr id="2" name="図 1">
+            <a:extLst>
+              <a:ext uri="{FF2B5EF4-FFF2-40B4-BE49-F238E27FC236}">
+                <a16:creationId xmlns:a16="http://schemas.microsoft.com/office/drawing/2014/main" id="{9DDDA682-0763-416F-9BF9-00B379CAFA73}"/>
+              </a:ext>
+            </a:extLst>
+          </p:cNvPr>
+          <p:cNvPicPr>
+            <a:picLocks noChangeAspect="1"/>
+          </p:cNvPicPr>
+          <p:nvPr/>
+        </p:nvPicPr>
+        <p:blipFill>
+          <a:blip r:embed="rId2"/>
+          <a:stretch>
+            <a:fillRect/>
+          </a:stretch>
+        </p:blipFill>
+        <p:spPr>
+          <a:xfrm>
+            <a:off x="2259211" y="303307"/>
+            <a:ext cx="7371428" cy="5933333"/>
+          </a:xfrm>
+          <a:prstGeom prst="rect">
+            <a:avLst/>
+          </a:prstGeom>
+        </p:spPr>
+      </p:pic>
+      <p:sp>
+        <p:nvSpPr>
+          <p:cNvPr id="3" name="テキスト ボックス 2">
+            <a:extLst>
+              <a:ext uri="{FF2B5EF4-FFF2-40B4-BE49-F238E27FC236}">
+                <a16:creationId xmlns:a16="http://schemas.microsoft.com/office/drawing/2014/main" id="{1A75D7E0-023C-4B0E-AE76-8E0053270227}"/>
+              </a:ext>
+            </a:extLst>
+          </p:cNvPr>
+          <p:cNvSpPr txBox="1"/>
+          <p:nvPr/>
+        </p:nvSpPr>
+        <p:spPr>
+          <a:xfrm>
+            <a:off x="1852933" y="402699"/>
+            <a:ext cx="1725154" cy="437322"/>
+          </a:xfrm>
+          <a:prstGeom prst="rect">
+            <a:avLst/>
+          </a:prstGeom>
+          <a:solidFill>
+            <a:srgbClr val="92D050">
+              <a:alpha val="40000"/>
+            </a:srgbClr>
+          </a:solidFill>
+          <a:ln>
+            <a:solidFill>
+              <a:schemeClr val="tx1"/>
+            </a:solidFill>
+          </a:ln>
+        </p:spPr>
+        <p:txBody>
+          <a:bodyPr wrap="square" rtlCol="0">
+            <a:noAutofit/>
+          </a:bodyPr>
+          <a:lstStyle/>
+          <a:p>
+            <a:r>
+              <a:rPr lang="en-US" altLang="ja-JP" sz="726" dirty="0">
+                <a:latin typeface="Arial" panose="020B0604020202020204" pitchFamily="34" charset="0"/>
+                <a:cs typeface="Arial" panose="020B0604020202020204" pitchFamily="34" charset="0"/>
+              </a:rPr>
+              <a:t>This outer component provides global constants, such as “g” value, to dynamics component</a:t>
+            </a:r>
+            <a:endParaRPr lang="ja-JP" altLang="en-US" sz="726" dirty="0">
+              <a:latin typeface="Arial" panose="020B0604020202020204" pitchFamily="34" charset="0"/>
+              <a:cs typeface="Arial" panose="020B0604020202020204" pitchFamily="34" charset="0"/>
+            </a:endParaRPr>
+          </a:p>
+        </p:txBody>
+      </p:sp>
+      <p:cxnSp>
+        <p:nvCxnSpPr>
+          <p:cNvPr id="4" name="直線矢印コネクタ 3">
+            <a:extLst>
+              <a:ext uri="{FF2B5EF4-FFF2-40B4-BE49-F238E27FC236}">
+                <a16:creationId xmlns:a16="http://schemas.microsoft.com/office/drawing/2014/main" id="{4E4F904A-3C8A-4730-80D3-2C30B425C03D}"/>
+              </a:ext>
+            </a:extLst>
+          </p:cNvPr>
+          <p:cNvCxnSpPr>
+            <a:cxnSpLocks/>
+            <a:stCxn id="3" idx="2"/>
+          </p:cNvCxnSpPr>
+          <p:nvPr/>
+        </p:nvCxnSpPr>
+        <p:spPr>
+          <a:xfrm>
+            <a:off x="2715510" y="840021"/>
+            <a:ext cx="313937" cy="471944"/>
+          </a:xfrm>
+          <a:prstGeom prst="straightConnector1">
+            <a:avLst/>
+          </a:prstGeom>
+          <a:ln w="12700">
+            <a:solidFill>
+              <a:schemeClr val="tx1"/>
+            </a:solidFill>
+            <a:tailEnd type="oval"/>
+          </a:ln>
+        </p:spPr>
+        <p:style>
+          <a:lnRef idx="1">
+            <a:schemeClr val="accent1"/>
+          </a:lnRef>
+          <a:fillRef idx="0">
+            <a:schemeClr val="accent1"/>
+          </a:fillRef>
+          <a:effectRef idx="0">
+            <a:schemeClr val="accent1"/>
+          </a:effectRef>
+          <a:fontRef idx="minor">
+            <a:schemeClr val="tx1"/>
+          </a:fontRef>
+        </p:style>
+      </p:cxnSp>
+      <p:sp>
+        <p:nvSpPr>
+          <p:cNvPr id="6" name="テキスト ボックス 5">
+            <a:extLst>
+              <a:ext uri="{FF2B5EF4-FFF2-40B4-BE49-F238E27FC236}">
+                <a16:creationId xmlns:a16="http://schemas.microsoft.com/office/drawing/2014/main" id="{F620289F-A5D5-4C25-AD25-855575B0CBAD}"/>
+              </a:ext>
+            </a:extLst>
+          </p:cNvPr>
+          <p:cNvSpPr txBox="1"/>
+          <p:nvPr/>
+        </p:nvSpPr>
+        <p:spPr>
+          <a:xfrm>
+            <a:off x="3487972" y="3204224"/>
+            <a:ext cx="1383527" cy="449551"/>
+          </a:xfrm>
+          <a:prstGeom prst="rect">
+            <a:avLst/>
+          </a:prstGeom>
+          <a:solidFill>
+            <a:srgbClr val="92D050">
+              <a:alpha val="40000"/>
+            </a:srgbClr>
+          </a:solidFill>
+          <a:ln>
+            <a:solidFill>
+              <a:schemeClr val="tx1"/>
+            </a:solidFill>
+          </a:ln>
+        </p:spPr>
+        <p:txBody>
+          <a:bodyPr wrap="square" rtlCol="0">
+            <a:noAutofit/>
+          </a:bodyPr>
+          <a:lstStyle/>
+          <a:p>
+            <a:r>
+              <a:rPr lang="en-US" altLang="ja-JP" sz="726" dirty="0">
+                <a:latin typeface="Arial" panose="020B0604020202020204" pitchFamily="34" charset="0"/>
+                <a:cs typeface="Arial" panose="020B0604020202020204" pitchFamily="34" charset="0"/>
+              </a:rPr>
+              <a:t>Variables (inputs) related to steady state (center of linearization) flight condition</a:t>
+            </a:r>
+            <a:endParaRPr lang="ja-JP" altLang="en-US" sz="726" dirty="0">
+              <a:latin typeface="Arial" panose="020B0604020202020204" pitchFamily="34" charset="0"/>
+              <a:cs typeface="Arial" panose="020B0604020202020204" pitchFamily="34" charset="0"/>
+            </a:endParaRPr>
+          </a:p>
+        </p:txBody>
+      </p:sp>
+      <p:cxnSp>
+        <p:nvCxnSpPr>
+          <p:cNvPr id="7" name="直線矢印コネクタ 6">
+            <a:extLst>
+              <a:ext uri="{FF2B5EF4-FFF2-40B4-BE49-F238E27FC236}">
+                <a16:creationId xmlns:a16="http://schemas.microsoft.com/office/drawing/2014/main" id="{B34ED3D3-8E05-4B74-B2C9-F14E33FF00C5}"/>
+              </a:ext>
+            </a:extLst>
+          </p:cNvPr>
+          <p:cNvCxnSpPr>
+            <a:cxnSpLocks/>
+            <a:stCxn id="6" idx="3"/>
+          </p:cNvCxnSpPr>
+          <p:nvPr/>
+        </p:nvCxnSpPr>
+        <p:spPr>
+          <a:xfrm>
+            <a:off x="4871499" y="3429000"/>
+            <a:ext cx="932953" cy="665922"/>
+          </a:xfrm>
+          <a:prstGeom prst="straightConnector1">
+            <a:avLst/>
+          </a:prstGeom>
+          <a:ln w="12700">
+            <a:solidFill>
+              <a:schemeClr val="tx1"/>
+            </a:solidFill>
+            <a:tailEnd type="oval"/>
+          </a:ln>
+        </p:spPr>
+        <p:style>
+          <a:lnRef idx="1">
+            <a:schemeClr val="accent1"/>
+          </a:lnRef>
+          <a:fillRef idx="0">
+            <a:schemeClr val="accent1"/>
+          </a:fillRef>
+          <a:effectRef idx="0">
+            <a:schemeClr val="accent1"/>
+          </a:effectRef>
+          <a:fontRef idx="minor">
+            <a:schemeClr val="tx1"/>
+          </a:fontRef>
+        </p:style>
+      </p:cxnSp>
+      <p:sp>
+        <p:nvSpPr>
+          <p:cNvPr id="11" name="テキスト ボックス 10">
+            <a:extLst>
+              <a:ext uri="{FF2B5EF4-FFF2-40B4-BE49-F238E27FC236}">
+                <a16:creationId xmlns:a16="http://schemas.microsoft.com/office/drawing/2014/main" id="{A1E44F58-33FA-43FB-ACE3-B51CA3383D7E}"/>
+              </a:ext>
+            </a:extLst>
+          </p:cNvPr>
+          <p:cNvSpPr txBox="1"/>
+          <p:nvPr/>
+        </p:nvSpPr>
+        <p:spPr>
+          <a:xfrm>
+            <a:off x="6096000" y="2425147"/>
+            <a:ext cx="1521880" cy="354127"/>
+          </a:xfrm>
+          <a:prstGeom prst="rect">
+            <a:avLst/>
+          </a:prstGeom>
+          <a:solidFill>
+            <a:srgbClr val="92D050">
+              <a:alpha val="40000"/>
+            </a:srgbClr>
+          </a:solidFill>
+          <a:ln>
+            <a:solidFill>
+              <a:schemeClr val="tx1"/>
+            </a:solidFill>
+          </a:ln>
+        </p:spPr>
+        <p:txBody>
+          <a:bodyPr wrap="square" rtlCol="0">
+            <a:noAutofit/>
+          </a:bodyPr>
+          <a:lstStyle/>
+          <a:p>
+            <a:r>
+              <a:rPr lang="en-US" altLang="ja-JP" sz="726" dirty="0">
+                <a:latin typeface="Arial" panose="020B0604020202020204" pitchFamily="34" charset="0"/>
+                <a:cs typeface="Arial" panose="020B0604020202020204" pitchFamily="34" charset="0"/>
+              </a:rPr>
+              <a:t>Variables (inputs) related to aircraft properties.</a:t>
+            </a:r>
+            <a:endParaRPr lang="ja-JP" altLang="en-US" sz="726" dirty="0">
+              <a:latin typeface="Arial" panose="020B0604020202020204" pitchFamily="34" charset="0"/>
+              <a:cs typeface="Arial" panose="020B0604020202020204" pitchFamily="34" charset="0"/>
+            </a:endParaRPr>
+          </a:p>
+        </p:txBody>
+      </p:sp>
+      <p:cxnSp>
+        <p:nvCxnSpPr>
+          <p:cNvPr id="12" name="直線矢印コネクタ 11">
+            <a:extLst>
+              <a:ext uri="{FF2B5EF4-FFF2-40B4-BE49-F238E27FC236}">
+                <a16:creationId xmlns:a16="http://schemas.microsoft.com/office/drawing/2014/main" id="{CE8277FD-3C42-4C01-BAC5-30CAD3FE8790}"/>
+              </a:ext>
+            </a:extLst>
+          </p:cNvPr>
+          <p:cNvCxnSpPr>
+            <a:cxnSpLocks/>
+            <a:stCxn id="11" idx="2"/>
+            <a:endCxn id="13" idx="1"/>
+          </p:cNvCxnSpPr>
+          <p:nvPr/>
+        </p:nvCxnSpPr>
+        <p:spPr>
+          <a:xfrm flipH="1">
+            <a:off x="6755718" y="2779274"/>
+            <a:ext cx="101222" cy="717321"/>
+          </a:xfrm>
+          <a:prstGeom prst="straightConnector1">
+            <a:avLst/>
+          </a:prstGeom>
+          <a:ln w="12700">
+            <a:solidFill>
+              <a:schemeClr val="tx1"/>
+            </a:solidFill>
+            <a:headEnd type="none" w="med" len="med"/>
+            <a:tailEnd type="none" w="med" len="med"/>
+          </a:ln>
+        </p:spPr>
+        <p:style>
+          <a:lnRef idx="1">
+            <a:schemeClr val="accent1"/>
+          </a:lnRef>
+          <a:fillRef idx="0">
+            <a:schemeClr val="accent1"/>
+          </a:fillRef>
+          <a:effectRef idx="0">
+            <a:schemeClr val="accent1"/>
+          </a:effectRef>
+          <a:fontRef idx="minor">
+            <a:schemeClr val="tx1"/>
+          </a:fontRef>
+        </p:style>
+      </p:cxnSp>
+      <p:sp>
+        <p:nvSpPr>
+          <p:cNvPr id="13" name="左中かっこ 12">
+            <a:extLst>
+              <a:ext uri="{FF2B5EF4-FFF2-40B4-BE49-F238E27FC236}">
+                <a16:creationId xmlns:a16="http://schemas.microsoft.com/office/drawing/2014/main" id="{350659B8-D692-474A-9CAB-45A9766B803A}"/>
+              </a:ext>
+            </a:extLst>
+          </p:cNvPr>
+          <p:cNvSpPr/>
+          <p:nvPr/>
+        </p:nvSpPr>
+        <p:spPr>
+          <a:xfrm rot="5400000">
+            <a:off x="6624624" y="2834585"/>
+            <a:ext cx="262187" cy="1586206"/>
+          </a:xfrm>
+          <a:prstGeom prst="leftBrace">
+            <a:avLst>
+              <a:gd name="adj1" fmla="val 52580"/>
+              <a:gd name="adj2" fmla="val 50000"/>
+            </a:avLst>
+          </a:prstGeom>
+          <a:ln w="12700">
+            <a:solidFill>
+              <a:schemeClr val="tx1"/>
+            </a:solidFill>
+          </a:ln>
+        </p:spPr>
+        <p:style>
+          <a:lnRef idx="1">
+            <a:schemeClr val="accent1"/>
+          </a:lnRef>
+          <a:fillRef idx="0">
+            <a:schemeClr val="accent1"/>
+          </a:fillRef>
+          <a:effectRef idx="0">
+            <a:schemeClr val="accent1"/>
+          </a:effectRef>
+          <a:fontRef idx="minor">
+            <a:schemeClr val="tx1"/>
+          </a:fontRef>
+        </p:style>
+        <p:txBody>
+          <a:bodyPr rtlCol="0" anchor="ctr"/>
+          <a:lstStyle/>
+          <a:p>
+            <a:pPr algn="ctr"/>
+            <a:endParaRPr kumimoji="1" lang="ja-JP" altLang="en-US"/>
+          </a:p>
+        </p:txBody>
+      </p:sp>
+      <p:sp>
+        <p:nvSpPr>
+          <p:cNvPr id="18" name="テキスト ボックス 17">
+            <a:extLst>
+              <a:ext uri="{FF2B5EF4-FFF2-40B4-BE49-F238E27FC236}">
+                <a16:creationId xmlns:a16="http://schemas.microsoft.com/office/drawing/2014/main" id="{823A4E89-56BB-4A4C-B0C0-62089558343B}"/>
+              </a:ext>
+            </a:extLst>
+          </p:cNvPr>
+          <p:cNvSpPr txBox="1"/>
+          <p:nvPr/>
+        </p:nvSpPr>
+        <p:spPr>
+          <a:xfrm>
+            <a:off x="3169920" y="4727138"/>
+            <a:ext cx="1383527" cy="449551"/>
+          </a:xfrm>
+          <a:prstGeom prst="rect">
+            <a:avLst/>
+          </a:prstGeom>
+          <a:solidFill>
+            <a:srgbClr val="92D050">
+              <a:alpha val="40000"/>
+            </a:srgbClr>
+          </a:solidFill>
+          <a:ln>
+            <a:solidFill>
+              <a:schemeClr val="tx1"/>
+            </a:solidFill>
+          </a:ln>
+        </p:spPr>
+        <p:txBody>
+          <a:bodyPr wrap="square" rtlCol="0">
+            <a:noAutofit/>
+          </a:bodyPr>
+          <a:lstStyle/>
+          <a:p>
+            <a:r>
+              <a:rPr lang="en-US" altLang="ja-JP" sz="726" dirty="0">
+                <a:latin typeface="Arial" panose="020B0604020202020204" pitchFamily="34" charset="0"/>
+                <a:cs typeface="Arial" panose="020B0604020202020204" pitchFamily="34" charset="0"/>
+              </a:rPr>
+              <a:t>Flight control inputs:</a:t>
+            </a:r>
+          </a:p>
+          <a:p>
+            <a:r>
+              <a:rPr lang="en-US" altLang="ja-JP" sz="726" dirty="0">
+                <a:latin typeface="Arial" panose="020B0604020202020204" pitchFamily="34" charset="0"/>
+                <a:cs typeface="Arial" panose="020B0604020202020204" pitchFamily="34" charset="0"/>
+              </a:rPr>
+              <a:t>Change in elevator angle</a:t>
+            </a:r>
+          </a:p>
+          <a:p>
+            <a:r>
+              <a:rPr lang="en-US" altLang="ja-JP" sz="726" dirty="0">
+                <a:latin typeface="Arial" panose="020B0604020202020204" pitchFamily="34" charset="0"/>
+                <a:cs typeface="Arial" panose="020B0604020202020204" pitchFamily="34" charset="0"/>
+              </a:rPr>
+              <a:t>Change in thrust</a:t>
+            </a:r>
+            <a:endParaRPr lang="ja-JP" altLang="en-US" sz="726" dirty="0">
+              <a:latin typeface="Arial" panose="020B0604020202020204" pitchFamily="34" charset="0"/>
+              <a:cs typeface="Arial" panose="020B0604020202020204" pitchFamily="34" charset="0"/>
+            </a:endParaRPr>
+          </a:p>
+        </p:txBody>
+      </p:sp>
+      <p:cxnSp>
+        <p:nvCxnSpPr>
+          <p:cNvPr id="19" name="直線矢印コネクタ 18">
+            <a:extLst>
+              <a:ext uri="{FF2B5EF4-FFF2-40B4-BE49-F238E27FC236}">
+                <a16:creationId xmlns:a16="http://schemas.microsoft.com/office/drawing/2014/main" id="{CA023D39-E74E-48D1-84A3-72B4DBBDC19F}"/>
+              </a:ext>
+            </a:extLst>
+          </p:cNvPr>
+          <p:cNvCxnSpPr>
+            <a:cxnSpLocks/>
+            <a:stCxn id="18" idx="3"/>
+          </p:cNvCxnSpPr>
+          <p:nvPr/>
+        </p:nvCxnSpPr>
+        <p:spPr>
+          <a:xfrm flipV="1">
+            <a:off x="4553447" y="4675368"/>
+            <a:ext cx="628033" cy="276546"/>
+          </a:xfrm>
+          <a:prstGeom prst="straightConnector1">
+            <a:avLst/>
+          </a:prstGeom>
+          <a:ln w="12700">
+            <a:solidFill>
+              <a:schemeClr val="tx1"/>
+            </a:solidFill>
+            <a:tailEnd type="oval"/>
+          </a:ln>
+        </p:spPr>
+        <p:style>
+          <a:lnRef idx="1">
+            <a:schemeClr val="accent1"/>
+          </a:lnRef>
+          <a:fillRef idx="0">
+            <a:schemeClr val="accent1"/>
+          </a:fillRef>
+          <a:effectRef idx="0">
+            <a:schemeClr val="accent1"/>
+          </a:effectRef>
+          <a:fontRef idx="minor">
+            <a:schemeClr val="tx1"/>
+          </a:fontRef>
+        </p:style>
+      </p:cxnSp>
+      <p:cxnSp>
+        <p:nvCxnSpPr>
+          <p:cNvPr id="20" name="直線矢印コネクタ 19">
+            <a:extLst>
+              <a:ext uri="{FF2B5EF4-FFF2-40B4-BE49-F238E27FC236}">
+                <a16:creationId xmlns:a16="http://schemas.microsoft.com/office/drawing/2014/main" id="{3D78A236-1B4B-41B8-8270-37B5DC0784A4}"/>
+              </a:ext>
+            </a:extLst>
+          </p:cNvPr>
+          <p:cNvCxnSpPr>
+            <a:cxnSpLocks/>
+            <a:stCxn id="18" idx="3"/>
+          </p:cNvCxnSpPr>
+          <p:nvPr/>
+        </p:nvCxnSpPr>
+        <p:spPr>
+          <a:xfrm>
+            <a:off x="4553447" y="4951914"/>
+            <a:ext cx="813683" cy="97164"/>
+          </a:xfrm>
+          <a:prstGeom prst="straightConnector1">
+            <a:avLst/>
+          </a:prstGeom>
+          <a:ln w="12700">
+            <a:solidFill>
+              <a:schemeClr val="tx1"/>
+            </a:solidFill>
+            <a:tailEnd type="oval"/>
+          </a:ln>
+        </p:spPr>
+        <p:style>
+          <a:lnRef idx="1">
+            <a:schemeClr val="accent1"/>
+          </a:lnRef>
+          <a:fillRef idx="0">
+            <a:schemeClr val="accent1"/>
+          </a:fillRef>
+          <a:effectRef idx="0">
+            <a:schemeClr val="accent1"/>
+          </a:effectRef>
+          <a:fontRef idx="minor">
+            <a:schemeClr val="tx1"/>
+          </a:fontRef>
+        </p:style>
+      </p:cxnSp>
+    </p:spTree>
+    <p:extLst>
+      <p:ext uri="{BB962C8B-B14F-4D97-AF65-F5344CB8AC3E}">
+        <p14:creationId xmlns:p14="http://schemas.microsoft.com/office/powerpoint/2010/main" val="3002681525"/>
+      </p:ext>
+    </p:extLst>
+  </p:cSld>
+  <p:clrMapOvr>
+    <a:masterClrMapping/>
+  </p:clrMapOvr>
+</p:sld>
+</file>
+
+<file path=ppt/slides/slide5.xml><?xml version="1.0" encoding="utf-8"?>
+<p:sld xmlns:a="http://schemas.openxmlformats.org/drawingml/2006/main" xmlns:r="http://schemas.openxmlformats.org/officeDocument/2006/relationships" xmlns:p="http://schemas.openxmlformats.org/presentationml/2006/main">
+  <p:cSld>
+    <p:spTree>
+      <p:nvGrpSpPr>
+        <p:cNvPr id="1" name=""/>
+        <p:cNvGrpSpPr/>
+        <p:nvPr/>
+      </p:nvGrpSpPr>
+      <p:grpSpPr>
+        <a:xfrm>
+          <a:off x="0" y="0"/>
+          <a:ext cx="0" cy="0"/>
+          <a:chOff x="0" y="0"/>
+          <a:chExt cx="0" cy="0"/>
+        </a:xfrm>
+      </p:grpSpPr>
+    </p:spTree>
+    <p:extLst>
+      <p:ext uri="{BB962C8B-B14F-4D97-AF65-F5344CB8AC3E}">
+        <p14:creationId xmlns:p14="http://schemas.microsoft.com/office/powerpoint/2010/main" val="745565000"/>
+      </p:ext>
+    </p:extLst>
+  </p:cSld>
+  <p:clrMapOvr>
+    <a:masterClrMapping/>
+  </p:clrMapOvr>
+</p:sld>
+</file>
+
 <file path=ppt/theme/theme1.xml><?xml version="1.0" encoding="utf-8"?>
 <a:theme xmlns:a="http://schemas.openxmlformats.org/drawingml/2006/main" name="Office テーマ">
   <a:themeElements>

--- a/docs/RigidBodyFDM/Examples/sampleAircrafts/makeFigs.pptx
+++ b/docs/RigidBodyFDM/Examples/sampleAircrafts/makeFigs.pptx
@@ -1,25 +1,120 @@
 
 <file path=ppt/presentation.xml><?xml version="1.0" encoding="utf-8"?>
-<p:presentation xmlns:a="http://schemas.openxmlformats.org/drawingml/2006/main" xmlns:p="http://schemas.openxmlformats.org/presentationml/2006/main" xmlns:r="http://schemas.openxmlformats.org/officeDocument/2006/relationships" xmlns:p14="http://schemas.microsoft.com/office/powerpoint/2010/main" xmlns:p15="http://schemas.microsoft.com/office/powerpoint/2012/main" xmlns:mc="http://schemas.openxmlformats.org/markup-compatibility/2006">
+<p:presentation xmlns:a="http://schemas.openxmlformats.org/drawingml/2006/main" xmlns:r="http://schemas.openxmlformats.org/officeDocument/2006/relationships" xmlns:p="http://schemas.openxmlformats.org/presentationml/2006/main">
   <p:sldMasterIdLst>
-    <p:sldMasterId id="2147483648" r:id="rId2"/>
+    <p:sldMasterId id="2147483648" r:id="rId1"/>
   </p:sldMasterIdLst>
   <p:sldIdLst>
-    <p:sldId id="256" r:id="rId3"/>
-    <p:sldId id="257" r:id="rId4"/>
-    <p:sldId id="258" r:id="rId5"/>
-    <p:sldId id="259" r:id="rId6"/>
-    <p:sldId id="260" r:id="rId7"/>
-    <p:sldId id="261" r:id="rId8"/>
-    <p:sldId id="262" r:id="rId9"/>
+    <p:sldId id="256" r:id="rId2"/>
+    <p:sldId id="257" r:id="rId3"/>
+    <p:sldId id="258" r:id="rId4"/>
+    <p:sldId id="259" r:id="rId5"/>
+    <p:sldId id="260" r:id="rId6"/>
+    <p:sldId id="261" r:id="rId7"/>
+    <p:sldId id="262" r:id="rId8"/>
   </p:sldIdLst>
   <p:sldSz cx="12192000" cy="6858000"/>
-  <p:notesSz cx="7559675" cy="10691812"/>
+  <p:notesSz cx="7559675" cy="10691813"/>
+  <p:defaultTextStyle>
+    <a:defPPr>
+      <a:defRPr lang="ja-JP"/>
+    </a:defPPr>
+    <a:lvl1pPr marL="0" algn="l" defTabSz="914400" rtl="0" eaLnBrk="1" latinLnBrk="0" hangingPunct="1">
+      <a:defRPr kumimoji="1" sz="1800" kern="1200">
+        <a:solidFill>
+          <a:schemeClr val="tx1"/>
+        </a:solidFill>
+        <a:latin typeface="+mn-lt"/>
+        <a:ea typeface="+mn-ea"/>
+        <a:cs typeface="+mn-cs"/>
+      </a:defRPr>
+    </a:lvl1pPr>
+    <a:lvl2pPr marL="457200" algn="l" defTabSz="914400" rtl="0" eaLnBrk="1" latinLnBrk="0" hangingPunct="1">
+      <a:defRPr kumimoji="1" sz="1800" kern="1200">
+        <a:solidFill>
+          <a:schemeClr val="tx1"/>
+        </a:solidFill>
+        <a:latin typeface="+mn-lt"/>
+        <a:ea typeface="+mn-ea"/>
+        <a:cs typeface="+mn-cs"/>
+      </a:defRPr>
+    </a:lvl2pPr>
+    <a:lvl3pPr marL="914400" algn="l" defTabSz="914400" rtl="0" eaLnBrk="1" latinLnBrk="0" hangingPunct="1">
+      <a:defRPr kumimoji="1" sz="1800" kern="1200">
+        <a:solidFill>
+          <a:schemeClr val="tx1"/>
+        </a:solidFill>
+        <a:latin typeface="+mn-lt"/>
+        <a:ea typeface="+mn-ea"/>
+        <a:cs typeface="+mn-cs"/>
+      </a:defRPr>
+    </a:lvl3pPr>
+    <a:lvl4pPr marL="1371600" algn="l" defTabSz="914400" rtl="0" eaLnBrk="1" latinLnBrk="0" hangingPunct="1">
+      <a:defRPr kumimoji="1" sz="1800" kern="1200">
+        <a:solidFill>
+          <a:schemeClr val="tx1"/>
+        </a:solidFill>
+        <a:latin typeface="+mn-lt"/>
+        <a:ea typeface="+mn-ea"/>
+        <a:cs typeface="+mn-cs"/>
+      </a:defRPr>
+    </a:lvl4pPr>
+    <a:lvl5pPr marL="1828800" algn="l" defTabSz="914400" rtl="0" eaLnBrk="1" latinLnBrk="0" hangingPunct="1">
+      <a:defRPr kumimoji="1" sz="1800" kern="1200">
+        <a:solidFill>
+          <a:schemeClr val="tx1"/>
+        </a:solidFill>
+        <a:latin typeface="+mn-lt"/>
+        <a:ea typeface="+mn-ea"/>
+        <a:cs typeface="+mn-cs"/>
+      </a:defRPr>
+    </a:lvl5pPr>
+    <a:lvl6pPr marL="2286000" algn="l" defTabSz="914400" rtl="0" eaLnBrk="1" latinLnBrk="0" hangingPunct="1">
+      <a:defRPr kumimoji="1" sz="1800" kern="1200">
+        <a:solidFill>
+          <a:schemeClr val="tx1"/>
+        </a:solidFill>
+        <a:latin typeface="+mn-lt"/>
+        <a:ea typeface="+mn-ea"/>
+        <a:cs typeface="+mn-cs"/>
+      </a:defRPr>
+    </a:lvl6pPr>
+    <a:lvl7pPr marL="2743200" algn="l" defTabSz="914400" rtl="0" eaLnBrk="1" latinLnBrk="0" hangingPunct="1">
+      <a:defRPr kumimoji="1" sz="1800" kern="1200">
+        <a:solidFill>
+          <a:schemeClr val="tx1"/>
+        </a:solidFill>
+        <a:latin typeface="+mn-lt"/>
+        <a:ea typeface="+mn-ea"/>
+        <a:cs typeface="+mn-cs"/>
+      </a:defRPr>
+    </a:lvl7pPr>
+    <a:lvl8pPr marL="3200400" algn="l" defTabSz="914400" rtl="0" eaLnBrk="1" latinLnBrk="0" hangingPunct="1">
+      <a:defRPr kumimoji="1" sz="1800" kern="1200">
+        <a:solidFill>
+          <a:schemeClr val="tx1"/>
+        </a:solidFill>
+        <a:latin typeface="+mn-lt"/>
+        <a:ea typeface="+mn-ea"/>
+        <a:cs typeface="+mn-cs"/>
+      </a:defRPr>
+    </a:lvl8pPr>
+    <a:lvl9pPr marL="3657600" algn="l" defTabSz="914400" rtl="0" eaLnBrk="1" latinLnBrk="0" hangingPunct="1">
+      <a:defRPr kumimoji="1" sz="1800" kern="1200">
+        <a:solidFill>
+          <a:schemeClr val="tx1"/>
+        </a:solidFill>
+        <a:latin typeface="+mn-lt"/>
+        <a:ea typeface="+mn-ea"/>
+        <a:cs typeface="+mn-cs"/>
+      </a:defRPr>
+    </a:lvl9pPr>
+  </p:defaultTextStyle>
 </p:presentation>
 </file>
 
 <file path=ppt/slideLayouts/slideLayout1.xml><?xml version="1.0" encoding="utf-8"?>
-<p:sldLayout xmlns:a="http://schemas.openxmlformats.org/drawingml/2006/main" xmlns:p="http://schemas.openxmlformats.org/presentationml/2006/main" xmlns:r="http://schemas.openxmlformats.org/officeDocument/2006/relationships" xmlns:p14="http://schemas.microsoft.com/office/powerpoint/2010/main" xmlns:p15="http://schemas.microsoft.com/office/powerpoint/2012/main" xmlns:mc="http://schemas.openxmlformats.org/markup-compatibility/2006" type="blank" preserve="1">
+<p:sldLayout xmlns:a="http://schemas.openxmlformats.org/drawingml/2006/main" xmlns:r="http://schemas.openxmlformats.org/officeDocument/2006/relationships" xmlns:p="http://schemas.openxmlformats.org/presentationml/2006/main" type="blank" preserve="1">
   <p:cSld name="Blank Slide">
     <p:spTree>
       <p:nvGrpSpPr>
@@ -37,11 +132,14 @@
       </p:grpSpPr>
     </p:spTree>
   </p:cSld>
+  <p:clrMapOvr>
+    <a:masterClrMapping/>
+  </p:clrMapOvr>
 </p:sldLayout>
 </file>
 
 <file path=ppt/slideLayouts/slideLayout10.xml><?xml version="1.0" encoding="utf-8"?>
-<p:sldLayout xmlns:a="http://schemas.openxmlformats.org/drawingml/2006/main" xmlns:p="http://schemas.openxmlformats.org/presentationml/2006/main" xmlns:r="http://schemas.openxmlformats.org/officeDocument/2006/relationships" xmlns:p14="http://schemas.microsoft.com/office/powerpoint/2010/main" xmlns:p15="http://schemas.microsoft.com/office/powerpoint/2012/main" xmlns:mc="http://schemas.openxmlformats.org/markup-compatibility/2006" type="objOverTx" preserve="1">
+<p:sldLayout xmlns:a="http://schemas.openxmlformats.org/drawingml/2006/main" xmlns:r="http://schemas.openxmlformats.org/officeDocument/2006/relationships" xmlns:p="http://schemas.openxmlformats.org/presentationml/2006/main" type="objOverTx" preserve="1">
   <p:cSld name="Title, Content over Content">
     <p:spTree>
       <p:nvGrpSpPr>
@@ -77,11 +175,12 @@
           </a:prstGeom>
         </p:spPr>
         <p:txBody>
-          <a:bodyPr lIns="0" rIns="0" tIns="0" bIns="0" anchor="ctr">
+          <a:bodyPr lIns="0" tIns="0" rIns="0" bIns="0" anchor="ctr">
             <a:noAutofit/>
           </a:bodyPr>
-          <a:p>
-            <a:endParaRPr b="0" lang="en-US" sz="1800" spc="-1" strike="noStrike">
+          <a:lstStyle/>
+          <a:p>
+            <a:endParaRPr lang="en-US" sz="1800" b="0" strike="noStrike" spc="-1">
               <a:solidFill>
                 <a:srgbClr val="000000"/>
               </a:solidFill>
@@ -110,11 +209,12 @@
           </a:prstGeom>
         </p:spPr>
         <p:txBody>
-          <a:bodyPr lIns="0" rIns="0" tIns="0" bIns="0">
+          <a:bodyPr lIns="0" tIns="0" rIns="0" bIns="0">
             <a:normAutofit/>
           </a:bodyPr>
-          <a:p>
-            <a:endParaRPr b="0" lang="en-US" sz="2800" spc="-1" strike="noStrike">
+          <a:lstStyle/>
+          <a:p>
+            <a:endParaRPr lang="en-US" sz="2800" b="0" strike="noStrike" spc="-1">
               <a:solidFill>
                 <a:srgbClr val="000000"/>
               </a:solidFill>
@@ -143,11 +243,12 @@
           </a:prstGeom>
         </p:spPr>
         <p:txBody>
-          <a:bodyPr lIns="0" rIns="0" tIns="0" bIns="0">
+          <a:bodyPr lIns="0" tIns="0" rIns="0" bIns="0">
             <a:normAutofit/>
           </a:bodyPr>
-          <a:p>
-            <a:endParaRPr b="0" lang="en-US" sz="2800" spc="-1" strike="noStrike">
+          <a:lstStyle/>
+          <a:p>
+            <a:endParaRPr lang="en-US" sz="2800" b="0" strike="noStrike" spc="-1">
               <a:solidFill>
                 <a:srgbClr val="000000"/>
               </a:solidFill>
@@ -158,11 +259,14 @@
       </p:sp>
     </p:spTree>
   </p:cSld>
+  <p:clrMapOvr>
+    <a:masterClrMapping/>
+  </p:clrMapOvr>
 </p:sldLayout>
 </file>
 
 <file path=ppt/slideLayouts/slideLayout11.xml><?xml version="1.0" encoding="utf-8"?>
-<p:sldLayout xmlns:a="http://schemas.openxmlformats.org/drawingml/2006/main" xmlns:p="http://schemas.openxmlformats.org/presentationml/2006/main" xmlns:r="http://schemas.openxmlformats.org/officeDocument/2006/relationships" xmlns:p14="http://schemas.microsoft.com/office/powerpoint/2010/main" xmlns:p15="http://schemas.microsoft.com/office/powerpoint/2012/main" xmlns:mc="http://schemas.openxmlformats.org/markup-compatibility/2006" type="fourObj" preserve="1">
+<p:sldLayout xmlns:a="http://schemas.openxmlformats.org/drawingml/2006/main" xmlns:r="http://schemas.openxmlformats.org/officeDocument/2006/relationships" xmlns:p="http://schemas.openxmlformats.org/presentationml/2006/main" type="fourObj" preserve="1">
   <p:cSld name="Title, 4 Content">
     <p:spTree>
       <p:nvGrpSpPr>
@@ -198,11 +302,12 @@
           </a:prstGeom>
         </p:spPr>
         <p:txBody>
-          <a:bodyPr lIns="0" rIns="0" tIns="0" bIns="0" anchor="ctr">
+          <a:bodyPr lIns="0" tIns="0" rIns="0" bIns="0" anchor="ctr">
             <a:noAutofit/>
           </a:bodyPr>
-          <a:p>
-            <a:endParaRPr b="0" lang="en-US" sz="1800" spc="-1" strike="noStrike">
+          <a:lstStyle/>
+          <a:p>
+            <a:endParaRPr lang="en-US" sz="1800" b="0" strike="noStrike" spc="-1">
               <a:solidFill>
                 <a:srgbClr val="000000"/>
               </a:solidFill>
@@ -231,11 +336,12 @@
           </a:prstGeom>
         </p:spPr>
         <p:txBody>
-          <a:bodyPr lIns="0" rIns="0" tIns="0" bIns="0">
+          <a:bodyPr lIns="0" tIns="0" rIns="0" bIns="0">
             <a:normAutofit/>
           </a:bodyPr>
-          <a:p>
-            <a:endParaRPr b="0" lang="en-US" sz="2800" spc="-1" strike="noStrike">
+          <a:lstStyle/>
+          <a:p>
+            <a:endParaRPr lang="en-US" sz="2800" b="0" strike="noStrike" spc="-1">
               <a:solidFill>
                 <a:srgbClr val="000000"/>
               </a:solidFill>
@@ -264,11 +370,12 @@
           </a:prstGeom>
         </p:spPr>
         <p:txBody>
-          <a:bodyPr lIns="0" rIns="0" tIns="0" bIns="0">
+          <a:bodyPr lIns="0" tIns="0" rIns="0" bIns="0">
             <a:normAutofit/>
           </a:bodyPr>
-          <a:p>
-            <a:endParaRPr b="0" lang="en-US" sz="2800" spc="-1" strike="noStrike">
+          <a:lstStyle/>
+          <a:p>
+            <a:endParaRPr lang="en-US" sz="2800" b="0" strike="noStrike" spc="-1">
               <a:solidFill>
                 <a:srgbClr val="000000"/>
               </a:solidFill>
@@ -297,11 +404,12 @@
           </a:prstGeom>
         </p:spPr>
         <p:txBody>
-          <a:bodyPr lIns="0" rIns="0" tIns="0" bIns="0">
+          <a:bodyPr lIns="0" tIns="0" rIns="0" bIns="0">
             <a:normAutofit/>
           </a:bodyPr>
-          <a:p>
-            <a:endParaRPr b="0" lang="en-US" sz="2800" spc="-1" strike="noStrike">
+          <a:lstStyle/>
+          <a:p>
+            <a:endParaRPr lang="en-US" sz="2800" b="0" strike="noStrike" spc="-1">
               <a:solidFill>
                 <a:srgbClr val="000000"/>
               </a:solidFill>
@@ -330,11 +438,12 @@
           </a:prstGeom>
         </p:spPr>
         <p:txBody>
-          <a:bodyPr lIns="0" rIns="0" tIns="0" bIns="0">
+          <a:bodyPr lIns="0" tIns="0" rIns="0" bIns="0">
             <a:normAutofit/>
           </a:bodyPr>
-          <a:p>
-            <a:endParaRPr b="0" lang="en-US" sz="2800" spc="-1" strike="noStrike">
+          <a:lstStyle/>
+          <a:p>
+            <a:endParaRPr lang="en-US" sz="2800" b="0" strike="noStrike" spc="-1">
               <a:solidFill>
                 <a:srgbClr val="000000"/>
               </a:solidFill>
@@ -345,11 +454,14 @@
       </p:sp>
     </p:spTree>
   </p:cSld>
+  <p:clrMapOvr>
+    <a:masterClrMapping/>
+  </p:clrMapOvr>
 </p:sldLayout>
 </file>
 
 <file path=ppt/slideLayouts/slideLayout12.xml><?xml version="1.0" encoding="utf-8"?>
-<p:sldLayout xmlns:a="http://schemas.openxmlformats.org/drawingml/2006/main" xmlns:p="http://schemas.openxmlformats.org/presentationml/2006/main" xmlns:r="http://schemas.openxmlformats.org/officeDocument/2006/relationships" xmlns:p14="http://schemas.microsoft.com/office/powerpoint/2010/main" xmlns:p15="http://schemas.microsoft.com/office/powerpoint/2012/main" xmlns:mc="http://schemas.openxmlformats.org/markup-compatibility/2006" type="blank" preserve="1">
+<p:sldLayout xmlns:a="http://schemas.openxmlformats.org/drawingml/2006/main" xmlns:r="http://schemas.openxmlformats.org/officeDocument/2006/relationships" xmlns:p="http://schemas.openxmlformats.org/presentationml/2006/main" type="blank" preserve="1">
   <p:cSld name="Title, 6 Content">
     <p:spTree>
       <p:nvGrpSpPr>
@@ -385,11 +497,12 @@
           </a:prstGeom>
         </p:spPr>
         <p:txBody>
-          <a:bodyPr lIns="0" rIns="0" tIns="0" bIns="0" anchor="ctr">
+          <a:bodyPr lIns="0" tIns="0" rIns="0" bIns="0" anchor="ctr">
             <a:noAutofit/>
           </a:bodyPr>
-          <a:p>
-            <a:endParaRPr b="0" lang="en-US" sz="1800" spc="-1" strike="noStrike">
+          <a:lstStyle/>
+          <a:p>
+            <a:endParaRPr lang="en-US" sz="1800" b="0" strike="noStrike" spc="-1">
               <a:solidFill>
                 <a:srgbClr val="000000"/>
               </a:solidFill>
@@ -418,11 +531,12 @@
           </a:prstGeom>
         </p:spPr>
         <p:txBody>
-          <a:bodyPr lIns="0" rIns="0" tIns="0" bIns="0">
+          <a:bodyPr lIns="0" tIns="0" rIns="0" bIns="0">
             <a:normAutofit/>
           </a:bodyPr>
-          <a:p>
-            <a:endParaRPr b="0" lang="en-US" sz="2800" spc="-1" strike="noStrike">
+          <a:lstStyle/>
+          <a:p>
+            <a:endParaRPr lang="en-US" sz="2800" b="0" strike="noStrike" spc="-1">
               <a:solidFill>
                 <a:srgbClr val="000000"/>
               </a:solidFill>
@@ -451,11 +565,12 @@
           </a:prstGeom>
         </p:spPr>
         <p:txBody>
-          <a:bodyPr lIns="0" rIns="0" tIns="0" bIns="0">
+          <a:bodyPr lIns="0" tIns="0" rIns="0" bIns="0">
             <a:normAutofit/>
           </a:bodyPr>
-          <a:p>
-            <a:endParaRPr b="0" lang="en-US" sz="2800" spc="-1" strike="noStrike">
+          <a:lstStyle/>
+          <a:p>
+            <a:endParaRPr lang="en-US" sz="2800" b="0" strike="noStrike" spc="-1">
               <a:solidFill>
                 <a:srgbClr val="000000"/>
               </a:solidFill>
@@ -484,11 +599,12 @@
           </a:prstGeom>
         </p:spPr>
         <p:txBody>
-          <a:bodyPr lIns="0" rIns="0" tIns="0" bIns="0">
+          <a:bodyPr lIns="0" tIns="0" rIns="0" bIns="0">
             <a:normAutofit/>
           </a:bodyPr>
-          <a:p>
-            <a:endParaRPr b="0" lang="en-US" sz="2800" spc="-1" strike="noStrike">
+          <a:lstStyle/>
+          <a:p>
+            <a:endParaRPr lang="en-US" sz="2800" b="0" strike="noStrike" spc="-1">
               <a:solidFill>
                 <a:srgbClr val="000000"/>
               </a:solidFill>
@@ -517,11 +633,12 @@
           </a:prstGeom>
         </p:spPr>
         <p:txBody>
-          <a:bodyPr lIns="0" rIns="0" tIns="0" bIns="0">
+          <a:bodyPr lIns="0" tIns="0" rIns="0" bIns="0">
             <a:normAutofit/>
           </a:bodyPr>
-          <a:p>
-            <a:endParaRPr b="0" lang="en-US" sz="2800" spc="-1" strike="noStrike">
+          <a:lstStyle/>
+          <a:p>
+            <a:endParaRPr lang="en-US" sz="2800" b="0" strike="noStrike" spc="-1">
               <a:solidFill>
                 <a:srgbClr val="000000"/>
               </a:solidFill>
@@ -550,11 +667,12 @@
           </a:prstGeom>
         </p:spPr>
         <p:txBody>
-          <a:bodyPr lIns="0" rIns="0" tIns="0" bIns="0">
+          <a:bodyPr lIns="0" tIns="0" rIns="0" bIns="0">
             <a:normAutofit/>
           </a:bodyPr>
-          <a:p>
-            <a:endParaRPr b="0" lang="en-US" sz="2800" spc="-1" strike="noStrike">
+          <a:lstStyle/>
+          <a:p>
+            <a:endParaRPr lang="en-US" sz="2800" b="0" strike="noStrike" spc="-1">
               <a:solidFill>
                 <a:srgbClr val="000000"/>
               </a:solidFill>
@@ -583,11 +701,12 @@
           </a:prstGeom>
         </p:spPr>
         <p:txBody>
-          <a:bodyPr lIns="0" rIns="0" tIns="0" bIns="0">
+          <a:bodyPr lIns="0" tIns="0" rIns="0" bIns="0">
             <a:normAutofit/>
           </a:bodyPr>
-          <a:p>
-            <a:endParaRPr b="0" lang="en-US" sz="2800" spc="-1" strike="noStrike">
+          <a:lstStyle/>
+          <a:p>
+            <a:endParaRPr lang="en-US" sz="2800" b="0" strike="noStrike" spc="-1">
               <a:solidFill>
                 <a:srgbClr val="000000"/>
               </a:solidFill>
@@ -598,11 +717,14 @@
       </p:sp>
     </p:spTree>
   </p:cSld>
+  <p:clrMapOvr>
+    <a:masterClrMapping/>
+  </p:clrMapOvr>
 </p:sldLayout>
 </file>
 
 <file path=ppt/slideLayouts/slideLayout2.xml><?xml version="1.0" encoding="utf-8"?>
-<p:sldLayout xmlns:a="http://schemas.openxmlformats.org/drawingml/2006/main" xmlns:p="http://schemas.openxmlformats.org/presentationml/2006/main" xmlns:r="http://schemas.openxmlformats.org/officeDocument/2006/relationships" xmlns:p14="http://schemas.microsoft.com/office/powerpoint/2010/main" xmlns:p15="http://schemas.microsoft.com/office/powerpoint/2012/main" xmlns:mc="http://schemas.openxmlformats.org/markup-compatibility/2006" type="tx" preserve="1">
+<p:sldLayout xmlns:a="http://schemas.openxmlformats.org/drawingml/2006/main" xmlns:r="http://schemas.openxmlformats.org/officeDocument/2006/relationships" xmlns:p="http://schemas.openxmlformats.org/presentationml/2006/main" type="tx" preserve="1">
   <p:cSld name="Title Slide">
     <p:spTree>
       <p:nvGrpSpPr>
@@ -638,11 +760,12 @@
           </a:prstGeom>
         </p:spPr>
         <p:txBody>
-          <a:bodyPr lIns="0" rIns="0" tIns="0" bIns="0" anchor="ctr">
+          <a:bodyPr lIns="0" tIns="0" rIns="0" bIns="0" anchor="ctr">
             <a:noAutofit/>
           </a:bodyPr>
-          <a:p>
-            <a:endParaRPr b="0" lang="en-US" sz="1800" spc="-1" strike="noStrike">
+          <a:lstStyle/>
+          <a:p>
+            <a:endParaRPr lang="en-US" sz="1800" b="0" strike="noStrike" spc="-1">
               <a:solidFill>
                 <a:srgbClr val="000000"/>
               </a:solidFill>
@@ -671,12 +794,13 @@
           </a:prstGeom>
         </p:spPr>
         <p:txBody>
-          <a:bodyPr lIns="0" rIns="0" tIns="0" bIns="0" anchor="ctr">
+          <a:bodyPr lIns="0" tIns="0" rIns="0" bIns="0" anchor="ctr">
             <a:noAutofit/>
           </a:bodyPr>
+          <a:lstStyle/>
           <a:p>
             <a:pPr algn="ctr"/>
-            <a:endParaRPr b="0" lang="en-US" sz="3200" spc="-1" strike="noStrike">
+            <a:endParaRPr lang="en-US" sz="3200" b="0" strike="noStrike" spc="-1">
               <a:latin typeface="Arial"/>
             </a:endParaRPr>
           </a:p>
@@ -684,11 +808,14 @@
       </p:sp>
     </p:spTree>
   </p:cSld>
+  <p:clrMapOvr>
+    <a:masterClrMapping/>
+  </p:clrMapOvr>
 </p:sldLayout>
 </file>
 
 <file path=ppt/slideLayouts/slideLayout3.xml><?xml version="1.0" encoding="utf-8"?>
-<p:sldLayout xmlns:a="http://schemas.openxmlformats.org/drawingml/2006/main" xmlns:p="http://schemas.openxmlformats.org/presentationml/2006/main" xmlns:r="http://schemas.openxmlformats.org/officeDocument/2006/relationships" xmlns:p14="http://schemas.microsoft.com/office/powerpoint/2010/main" xmlns:p15="http://schemas.microsoft.com/office/powerpoint/2012/main" xmlns:mc="http://schemas.openxmlformats.org/markup-compatibility/2006" type="obj" preserve="1">
+<p:sldLayout xmlns:a="http://schemas.openxmlformats.org/drawingml/2006/main" xmlns:r="http://schemas.openxmlformats.org/officeDocument/2006/relationships" xmlns:p="http://schemas.openxmlformats.org/presentationml/2006/main" type="obj" preserve="1">
   <p:cSld name="Title, Content">
     <p:spTree>
       <p:nvGrpSpPr>
@@ -724,11 +851,12 @@
           </a:prstGeom>
         </p:spPr>
         <p:txBody>
-          <a:bodyPr lIns="0" rIns="0" tIns="0" bIns="0" anchor="ctr">
+          <a:bodyPr lIns="0" tIns="0" rIns="0" bIns="0" anchor="ctr">
             <a:noAutofit/>
           </a:bodyPr>
-          <a:p>
-            <a:endParaRPr b="0" lang="en-US" sz="1800" spc="-1" strike="noStrike">
+          <a:lstStyle/>
+          <a:p>
+            <a:endParaRPr lang="en-US" sz="1800" b="0" strike="noStrike" spc="-1">
               <a:solidFill>
                 <a:srgbClr val="000000"/>
               </a:solidFill>
@@ -757,11 +885,12 @@
           </a:prstGeom>
         </p:spPr>
         <p:txBody>
-          <a:bodyPr lIns="0" rIns="0" tIns="0" bIns="0">
+          <a:bodyPr lIns="0" tIns="0" rIns="0" bIns="0">
             <a:normAutofit/>
           </a:bodyPr>
-          <a:p>
-            <a:endParaRPr b="0" lang="en-US" sz="2800" spc="-1" strike="noStrike">
+          <a:lstStyle/>
+          <a:p>
+            <a:endParaRPr lang="en-US" sz="2800" b="0" strike="noStrike" spc="-1">
               <a:solidFill>
                 <a:srgbClr val="000000"/>
               </a:solidFill>
@@ -772,11 +901,14 @@
       </p:sp>
     </p:spTree>
   </p:cSld>
+  <p:clrMapOvr>
+    <a:masterClrMapping/>
+  </p:clrMapOvr>
 </p:sldLayout>
 </file>
 
 <file path=ppt/slideLayouts/slideLayout4.xml><?xml version="1.0" encoding="utf-8"?>
-<p:sldLayout xmlns:a="http://schemas.openxmlformats.org/drawingml/2006/main" xmlns:p="http://schemas.openxmlformats.org/presentationml/2006/main" xmlns:r="http://schemas.openxmlformats.org/officeDocument/2006/relationships" xmlns:p14="http://schemas.microsoft.com/office/powerpoint/2010/main" xmlns:p15="http://schemas.microsoft.com/office/powerpoint/2012/main" xmlns:mc="http://schemas.openxmlformats.org/markup-compatibility/2006" type="twoObj" preserve="1">
+<p:sldLayout xmlns:a="http://schemas.openxmlformats.org/drawingml/2006/main" xmlns:r="http://schemas.openxmlformats.org/officeDocument/2006/relationships" xmlns:p="http://schemas.openxmlformats.org/presentationml/2006/main" type="twoObj" preserve="1">
   <p:cSld name="Title, 2 Content">
     <p:spTree>
       <p:nvGrpSpPr>
@@ -812,11 +944,12 @@
           </a:prstGeom>
         </p:spPr>
         <p:txBody>
-          <a:bodyPr lIns="0" rIns="0" tIns="0" bIns="0" anchor="ctr">
+          <a:bodyPr lIns="0" tIns="0" rIns="0" bIns="0" anchor="ctr">
             <a:noAutofit/>
           </a:bodyPr>
-          <a:p>
-            <a:endParaRPr b="0" lang="en-US" sz="1800" spc="-1" strike="noStrike">
+          <a:lstStyle/>
+          <a:p>
+            <a:endParaRPr lang="en-US" sz="1800" b="0" strike="noStrike" spc="-1">
               <a:solidFill>
                 <a:srgbClr val="000000"/>
               </a:solidFill>
@@ -845,11 +978,12 @@
           </a:prstGeom>
         </p:spPr>
         <p:txBody>
-          <a:bodyPr lIns="0" rIns="0" tIns="0" bIns="0">
+          <a:bodyPr lIns="0" tIns="0" rIns="0" bIns="0">
             <a:normAutofit/>
           </a:bodyPr>
-          <a:p>
-            <a:endParaRPr b="0" lang="en-US" sz="2800" spc="-1" strike="noStrike">
+          <a:lstStyle/>
+          <a:p>
+            <a:endParaRPr lang="en-US" sz="2800" b="0" strike="noStrike" spc="-1">
               <a:solidFill>
                 <a:srgbClr val="000000"/>
               </a:solidFill>
@@ -878,11 +1012,12 @@
           </a:prstGeom>
         </p:spPr>
         <p:txBody>
-          <a:bodyPr lIns="0" rIns="0" tIns="0" bIns="0">
+          <a:bodyPr lIns="0" tIns="0" rIns="0" bIns="0">
             <a:normAutofit/>
           </a:bodyPr>
-          <a:p>
-            <a:endParaRPr b="0" lang="en-US" sz="2800" spc="-1" strike="noStrike">
+          <a:lstStyle/>
+          <a:p>
+            <a:endParaRPr lang="en-US" sz="2800" b="0" strike="noStrike" spc="-1">
               <a:solidFill>
                 <a:srgbClr val="000000"/>
               </a:solidFill>
@@ -893,11 +1028,14 @@
       </p:sp>
     </p:spTree>
   </p:cSld>
+  <p:clrMapOvr>
+    <a:masterClrMapping/>
+  </p:clrMapOvr>
 </p:sldLayout>
 </file>
 
 <file path=ppt/slideLayouts/slideLayout5.xml><?xml version="1.0" encoding="utf-8"?>
-<p:sldLayout xmlns:a="http://schemas.openxmlformats.org/drawingml/2006/main" xmlns:p="http://schemas.openxmlformats.org/presentationml/2006/main" xmlns:r="http://schemas.openxmlformats.org/officeDocument/2006/relationships" xmlns:p14="http://schemas.microsoft.com/office/powerpoint/2010/main" xmlns:p15="http://schemas.microsoft.com/office/powerpoint/2012/main" xmlns:mc="http://schemas.openxmlformats.org/markup-compatibility/2006" type="titleOnly" preserve="1">
+<p:sldLayout xmlns:a="http://schemas.openxmlformats.org/drawingml/2006/main" xmlns:r="http://schemas.openxmlformats.org/officeDocument/2006/relationships" xmlns:p="http://schemas.openxmlformats.org/presentationml/2006/main" type="titleOnly" preserve="1">
   <p:cSld name="Title Only">
     <p:spTree>
       <p:nvGrpSpPr>
@@ -933,11 +1071,12 @@
           </a:prstGeom>
         </p:spPr>
         <p:txBody>
-          <a:bodyPr lIns="0" rIns="0" tIns="0" bIns="0" anchor="ctr">
+          <a:bodyPr lIns="0" tIns="0" rIns="0" bIns="0" anchor="ctr">
             <a:noAutofit/>
           </a:bodyPr>
-          <a:p>
-            <a:endParaRPr b="0" lang="en-US" sz="1800" spc="-1" strike="noStrike">
+          <a:lstStyle/>
+          <a:p>
+            <a:endParaRPr lang="en-US" sz="1800" b="0" strike="noStrike" spc="-1">
               <a:solidFill>
                 <a:srgbClr val="000000"/>
               </a:solidFill>
@@ -948,11 +1087,14 @@
       </p:sp>
     </p:spTree>
   </p:cSld>
+  <p:clrMapOvr>
+    <a:masterClrMapping/>
+  </p:clrMapOvr>
 </p:sldLayout>
 </file>
 
 <file path=ppt/slideLayouts/slideLayout6.xml><?xml version="1.0" encoding="utf-8"?>
-<p:sldLayout xmlns:a="http://schemas.openxmlformats.org/drawingml/2006/main" xmlns:p="http://schemas.openxmlformats.org/presentationml/2006/main" xmlns:r="http://schemas.openxmlformats.org/officeDocument/2006/relationships" xmlns:p14="http://schemas.microsoft.com/office/powerpoint/2010/main" xmlns:p15="http://schemas.microsoft.com/office/powerpoint/2012/main" xmlns:mc="http://schemas.openxmlformats.org/markup-compatibility/2006" type="objOnly" preserve="1">
+<p:sldLayout xmlns:a="http://schemas.openxmlformats.org/drawingml/2006/main" xmlns:r="http://schemas.openxmlformats.org/officeDocument/2006/relationships" xmlns:p="http://schemas.openxmlformats.org/presentationml/2006/main" type="objOnly" preserve="1">
   <p:cSld name="Centered Text">
     <p:spTree>
       <p:nvGrpSpPr>
@@ -988,12 +1130,13 @@
           </a:prstGeom>
         </p:spPr>
         <p:txBody>
-          <a:bodyPr lIns="0" rIns="0" tIns="0" bIns="0" anchor="ctr">
+          <a:bodyPr lIns="0" tIns="0" rIns="0" bIns="0" anchor="ctr">
             <a:noAutofit/>
           </a:bodyPr>
+          <a:lstStyle/>
           <a:p>
             <a:pPr algn="ctr"/>
-            <a:endParaRPr b="0" lang="en-US" sz="3200" spc="-1" strike="noStrike">
+            <a:endParaRPr lang="en-US" sz="3200" b="0" strike="noStrike" spc="-1">
               <a:latin typeface="Arial"/>
             </a:endParaRPr>
           </a:p>
@@ -1001,11 +1144,14 @@
       </p:sp>
     </p:spTree>
   </p:cSld>
+  <p:clrMapOvr>
+    <a:masterClrMapping/>
+  </p:clrMapOvr>
 </p:sldLayout>
 </file>
 
 <file path=ppt/slideLayouts/slideLayout7.xml><?xml version="1.0" encoding="utf-8"?>
-<p:sldLayout xmlns:a="http://schemas.openxmlformats.org/drawingml/2006/main" xmlns:p="http://schemas.openxmlformats.org/presentationml/2006/main" xmlns:r="http://schemas.openxmlformats.org/officeDocument/2006/relationships" xmlns:p14="http://schemas.microsoft.com/office/powerpoint/2010/main" xmlns:p15="http://schemas.microsoft.com/office/powerpoint/2012/main" xmlns:mc="http://schemas.openxmlformats.org/markup-compatibility/2006" type="twoObjAndObj" preserve="1">
+<p:sldLayout xmlns:a="http://schemas.openxmlformats.org/drawingml/2006/main" xmlns:r="http://schemas.openxmlformats.org/officeDocument/2006/relationships" xmlns:p="http://schemas.openxmlformats.org/presentationml/2006/main" type="twoObjAndObj" preserve="1">
   <p:cSld name="Title, 2 Content and Content">
     <p:spTree>
       <p:nvGrpSpPr>
@@ -1041,11 +1187,12 @@
           </a:prstGeom>
         </p:spPr>
         <p:txBody>
-          <a:bodyPr lIns="0" rIns="0" tIns="0" bIns="0" anchor="ctr">
+          <a:bodyPr lIns="0" tIns="0" rIns="0" bIns="0" anchor="ctr">
             <a:noAutofit/>
           </a:bodyPr>
-          <a:p>
-            <a:endParaRPr b="0" lang="en-US" sz="1800" spc="-1" strike="noStrike">
+          <a:lstStyle/>
+          <a:p>
+            <a:endParaRPr lang="en-US" sz="1800" b="0" strike="noStrike" spc="-1">
               <a:solidFill>
                 <a:srgbClr val="000000"/>
               </a:solidFill>
@@ -1074,11 +1221,12 @@
           </a:prstGeom>
         </p:spPr>
         <p:txBody>
-          <a:bodyPr lIns="0" rIns="0" tIns="0" bIns="0">
+          <a:bodyPr lIns="0" tIns="0" rIns="0" bIns="0">
             <a:normAutofit/>
           </a:bodyPr>
-          <a:p>
-            <a:endParaRPr b="0" lang="en-US" sz="2800" spc="-1" strike="noStrike">
+          <a:lstStyle/>
+          <a:p>
+            <a:endParaRPr lang="en-US" sz="2800" b="0" strike="noStrike" spc="-1">
               <a:solidFill>
                 <a:srgbClr val="000000"/>
               </a:solidFill>
@@ -1107,11 +1255,12 @@
           </a:prstGeom>
         </p:spPr>
         <p:txBody>
-          <a:bodyPr lIns="0" rIns="0" tIns="0" bIns="0">
+          <a:bodyPr lIns="0" tIns="0" rIns="0" bIns="0">
             <a:normAutofit/>
           </a:bodyPr>
-          <a:p>
-            <a:endParaRPr b="0" lang="en-US" sz="2800" spc="-1" strike="noStrike">
+          <a:lstStyle/>
+          <a:p>
+            <a:endParaRPr lang="en-US" sz="2800" b="0" strike="noStrike" spc="-1">
               <a:solidFill>
                 <a:srgbClr val="000000"/>
               </a:solidFill>
@@ -1140,11 +1289,12 @@
           </a:prstGeom>
         </p:spPr>
         <p:txBody>
-          <a:bodyPr lIns="0" rIns="0" tIns="0" bIns="0">
+          <a:bodyPr lIns="0" tIns="0" rIns="0" bIns="0">
             <a:normAutofit/>
           </a:bodyPr>
-          <a:p>
-            <a:endParaRPr b="0" lang="en-US" sz="2800" spc="-1" strike="noStrike">
+          <a:lstStyle/>
+          <a:p>
+            <a:endParaRPr lang="en-US" sz="2800" b="0" strike="noStrike" spc="-1">
               <a:solidFill>
                 <a:srgbClr val="000000"/>
               </a:solidFill>
@@ -1155,11 +1305,14 @@
       </p:sp>
     </p:spTree>
   </p:cSld>
+  <p:clrMapOvr>
+    <a:masterClrMapping/>
+  </p:clrMapOvr>
 </p:sldLayout>
 </file>
 
 <file path=ppt/slideLayouts/slideLayout8.xml><?xml version="1.0" encoding="utf-8"?>
-<p:sldLayout xmlns:a="http://schemas.openxmlformats.org/drawingml/2006/main" xmlns:p="http://schemas.openxmlformats.org/presentationml/2006/main" xmlns:r="http://schemas.openxmlformats.org/officeDocument/2006/relationships" xmlns:p14="http://schemas.microsoft.com/office/powerpoint/2010/main" xmlns:p15="http://schemas.microsoft.com/office/powerpoint/2012/main" xmlns:mc="http://schemas.openxmlformats.org/markup-compatibility/2006" type="objAndTwoObj" preserve="1">
+<p:sldLayout xmlns:a="http://schemas.openxmlformats.org/drawingml/2006/main" xmlns:r="http://schemas.openxmlformats.org/officeDocument/2006/relationships" xmlns:p="http://schemas.openxmlformats.org/presentationml/2006/main" type="objAndTwoObj" preserve="1">
   <p:cSld name="Title Content and 2 Content">
     <p:spTree>
       <p:nvGrpSpPr>
@@ -1195,11 +1348,12 @@
           </a:prstGeom>
         </p:spPr>
         <p:txBody>
-          <a:bodyPr lIns="0" rIns="0" tIns="0" bIns="0" anchor="ctr">
+          <a:bodyPr lIns="0" tIns="0" rIns="0" bIns="0" anchor="ctr">
             <a:noAutofit/>
           </a:bodyPr>
-          <a:p>
-            <a:endParaRPr b="0" lang="en-US" sz="1800" spc="-1" strike="noStrike">
+          <a:lstStyle/>
+          <a:p>
+            <a:endParaRPr lang="en-US" sz="1800" b="0" strike="noStrike" spc="-1">
               <a:solidFill>
                 <a:srgbClr val="000000"/>
               </a:solidFill>
@@ -1228,11 +1382,12 @@
           </a:prstGeom>
         </p:spPr>
         <p:txBody>
-          <a:bodyPr lIns="0" rIns="0" tIns="0" bIns="0">
+          <a:bodyPr lIns="0" tIns="0" rIns="0" bIns="0">
             <a:normAutofit/>
           </a:bodyPr>
-          <a:p>
-            <a:endParaRPr b="0" lang="en-US" sz="2800" spc="-1" strike="noStrike">
+          <a:lstStyle/>
+          <a:p>
+            <a:endParaRPr lang="en-US" sz="2800" b="0" strike="noStrike" spc="-1">
               <a:solidFill>
                 <a:srgbClr val="000000"/>
               </a:solidFill>
@@ -1261,11 +1416,12 @@
           </a:prstGeom>
         </p:spPr>
         <p:txBody>
-          <a:bodyPr lIns="0" rIns="0" tIns="0" bIns="0">
+          <a:bodyPr lIns="0" tIns="0" rIns="0" bIns="0">
             <a:normAutofit/>
           </a:bodyPr>
-          <a:p>
-            <a:endParaRPr b="0" lang="en-US" sz="2800" spc="-1" strike="noStrike">
+          <a:lstStyle/>
+          <a:p>
+            <a:endParaRPr lang="en-US" sz="2800" b="0" strike="noStrike" spc="-1">
               <a:solidFill>
                 <a:srgbClr val="000000"/>
               </a:solidFill>
@@ -1294,11 +1450,12 @@
           </a:prstGeom>
         </p:spPr>
         <p:txBody>
-          <a:bodyPr lIns="0" rIns="0" tIns="0" bIns="0">
+          <a:bodyPr lIns="0" tIns="0" rIns="0" bIns="0">
             <a:normAutofit/>
           </a:bodyPr>
-          <a:p>
-            <a:endParaRPr b="0" lang="en-US" sz="2800" spc="-1" strike="noStrike">
+          <a:lstStyle/>
+          <a:p>
+            <a:endParaRPr lang="en-US" sz="2800" b="0" strike="noStrike" spc="-1">
               <a:solidFill>
                 <a:srgbClr val="000000"/>
               </a:solidFill>
@@ -1309,11 +1466,14 @@
       </p:sp>
     </p:spTree>
   </p:cSld>
+  <p:clrMapOvr>
+    <a:masterClrMapping/>
+  </p:clrMapOvr>
 </p:sldLayout>
 </file>
 
 <file path=ppt/slideLayouts/slideLayout9.xml><?xml version="1.0" encoding="utf-8"?>
-<p:sldLayout xmlns:a="http://schemas.openxmlformats.org/drawingml/2006/main" xmlns:p="http://schemas.openxmlformats.org/presentationml/2006/main" xmlns:r="http://schemas.openxmlformats.org/officeDocument/2006/relationships" xmlns:p14="http://schemas.microsoft.com/office/powerpoint/2010/main" xmlns:p15="http://schemas.microsoft.com/office/powerpoint/2012/main" xmlns:mc="http://schemas.openxmlformats.org/markup-compatibility/2006" type="twoObjOverTx" preserve="1">
+<p:sldLayout xmlns:a="http://schemas.openxmlformats.org/drawingml/2006/main" xmlns:r="http://schemas.openxmlformats.org/officeDocument/2006/relationships" xmlns:p="http://schemas.openxmlformats.org/presentationml/2006/main" type="twoObjOverTx" preserve="1">
   <p:cSld name="Title, 2 Content over Content">
     <p:spTree>
       <p:nvGrpSpPr>
@@ -1349,11 +1509,12 @@
           </a:prstGeom>
         </p:spPr>
         <p:txBody>
-          <a:bodyPr lIns="0" rIns="0" tIns="0" bIns="0" anchor="ctr">
+          <a:bodyPr lIns="0" tIns="0" rIns="0" bIns="0" anchor="ctr">
             <a:noAutofit/>
           </a:bodyPr>
-          <a:p>
-            <a:endParaRPr b="0" lang="en-US" sz="1800" spc="-1" strike="noStrike">
+          <a:lstStyle/>
+          <a:p>
+            <a:endParaRPr lang="en-US" sz="1800" b="0" strike="noStrike" spc="-1">
               <a:solidFill>
                 <a:srgbClr val="000000"/>
               </a:solidFill>
@@ -1382,11 +1543,12 @@
           </a:prstGeom>
         </p:spPr>
         <p:txBody>
-          <a:bodyPr lIns="0" rIns="0" tIns="0" bIns="0">
+          <a:bodyPr lIns="0" tIns="0" rIns="0" bIns="0">
             <a:normAutofit/>
           </a:bodyPr>
-          <a:p>
-            <a:endParaRPr b="0" lang="en-US" sz="2800" spc="-1" strike="noStrike">
+          <a:lstStyle/>
+          <a:p>
+            <a:endParaRPr lang="en-US" sz="2800" b="0" strike="noStrike" spc="-1">
               <a:solidFill>
                 <a:srgbClr val="000000"/>
               </a:solidFill>
@@ -1415,11 +1577,12 @@
           </a:prstGeom>
         </p:spPr>
         <p:txBody>
-          <a:bodyPr lIns="0" rIns="0" tIns="0" bIns="0">
+          <a:bodyPr lIns="0" tIns="0" rIns="0" bIns="0">
             <a:normAutofit/>
           </a:bodyPr>
-          <a:p>
-            <a:endParaRPr b="0" lang="en-US" sz="2800" spc="-1" strike="noStrike">
+          <a:lstStyle/>
+          <a:p>
+            <a:endParaRPr lang="en-US" sz="2800" b="0" strike="noStrike" spc="-1">
               <a:solidFill>
                 <a:srgbClr val="000000"/>
               </a:solidFill>
@@ -1448,11 +1611,12 @@
           </a:prstGeom>
         </p:spPr>
         <p:txBody>
-          <a:bodyPr lIns="0" rIns="0" tIns="0" bIns="0">
+          <a:bodyPr lIns="0" tIns="0" rIns="0" bIns="0">
             <a:normAutofit/>
           </a:bodyPr>
-          <a:p>
-            <a:endParaRPr b="0" lang="en-US" sz="2800" spc="-1" strike="noStrike">
+          <a:lstStyle/>
+          <a:p>
+            <a:endParaRPr lang="en-US" sz="2800" b="0" strike="noStrike" spc="-1">
               <a:solidFill>
                 <a:srgbClr val="000000"/>
               </a:solidFill>
@@ -1463,17 +1627,21 @@
       </p:sp>
     </p:spTree>
   </p:cSld>
+  <p:clrMapOvr>
+    <a:masterClrMapping/>
+  </p:clrMapOvr>
 </p:sldLayout>
 </file>
 
 <file path=ppt/slideMasters/slideMaster1.xml><?xml version="1.0" encoding="utf-8"?>
-<p:sldMaster xmlns:a="http://schemas.openxmlformats.org/drawingml/2006/main" xmlns:p="http://schemas.openxmlformats.org/presentationml/2006/main" xmlns:r="http://schemas.openxmlformats.org/officeDocument/2006/relationships" xmlns:p14="http://schemas.microsoft.com/office/powerpoint/2010/main" xmlns:p15="http://schemas.microsoft.com/office/powerpoint/2012/main" xmlns:mc="http://schemas.openxmlformats.org/markup-compatibility/2006">
+<p:sldMaster xmlns:a="http://schemas.openxmlformats.org/drawingml/2006/main" xmlns:r="http://schemas.openxmlformats.org/officeDocument/2006/relationships" xmlns:p="http://schemas.openxmlformats.org/presentationml/2006/main">
   <p:cSld>
     <p:bg>
       <p:bgPr>
         <a:solidFill>
-          <a:srgbClr val="ffffff"/>
+          <a:srgbClr val="FFFFFF"/>
         </a:solidFill>
+        <a:effectLst/>
       </p:bgPr>
     </p:bg>
     <p:spTree>
@@ -1492,7 +1660,7 @@
       </p:grpSpPr>
       <p:sp>
         <p:nvSpPr>
-          <p:cNvPr id="0" name="PlaceHolder 1"/>
+          <p:cNvPr id="5" name="PlaceHolder 1"/>
           <p:cNvSpPr>
             <a:spLocks noGrp="1"/>
           </p:cNvSpPr>
@@ -1513,6 +1681,7 @@
           <a:bodyPr anchor="ctr">
             <a:noAutofit/>
           </a:bodyPr>
+          <a:lstStyle/>
           <a:p>
             <a:pPr>
               <a:lnSpc>
@@ -1520,15 +1689,15 @@
               </a:lnSpc>
             </a:pPr>
             <a:fld id="{FB5CBEEC-4C30-4028-AD65-93C409D7D95C}" type="datetime">
-              <a:rPr b="0" lang="en-US" sz="1200" spc="-1" strike="noStrike">
+              <a:rPr lang="en-US" sz="1200" b="0" strike="noStrike" spc="-1">
                 <a:solidFill>
-                  <a:srgbClr val="8b8b8b"/>
+                  <a:srgbClr val="8B8B8B"/>
                 </a:solidFill>
                 <a:latin typeface="游ゴシック"/>
               </a:rPr>
-              <a:t>7/29/21</a:t>
+              <a:t>7/30/2021</a:t>
             </a:fld>
-            <a:endParaRPr b="0" lang="en-US" sz="1200" spc="-1" strike="noStrike">
+            <a:endParaRPr lang="en-US" sz="1200" b="0" strike="noStrike" spc="-1">
               <a:latin typeface="Times New Roman"/>
             </a:endParaRPr>
           </a:p>
@@ -1536,7 +1705,7 @@
       </p:sp>
       <p:sp>
         <p:nvSpPr>
-          <p:cNvPr id="1" name="PlaceHolder 2"/>
+          <p:cNvPr id="6" name="PlaceHolder 2"/>
           <p:cNvSpPr>
             <a:spLocks noGrp="1"/>
           </p:cNvSpPr>
@@ -1557,8 +1726,9 @@
           <a:bodyPr anchor="ctr">
             <a:noAutofit/>
           </a:bodyPr>
-          <a:p>
-            <a:endParaRPr b="0" lang="en-US" sz="2400" spc="-1" strike="noStrike">
+          <a:lstStyle/>
+          <a:p>
+            <a:endParaRPr lang="en-US" sz="2400" b="0" strike="noStrike" spc="-1">
               <a:latin typeface="Times New Roman"/>
             </a:endParaRPr>
           </a:p>
@@ -1587,6 +1757,7 @@
           <a:bodyPr anchor="ctr">
             <a:noAutofit/>
           </a:bodyPr>
+          <a:lstStyle/>
           <a:p>
             <a:pPr algn="r">
               <a:lnSpc>
@@ -1594,15 +1765,15 @@
               </a:lnSpc>
             </a:pPr>
             <a:fld id="{F40AE9F2-06FA-4ECC-B112-B538B1EBAD0A}" type="slidenum">
-              <a:rPr b="0" lang="en-US" sz="1200" spc="-1" strike="noStrike">
+              <a:rPr lang="en-US" sz="1200" b="0" strike="noStrike" spc="-1">
                 <a:solidFill>
-                  <a:srgbClr val="8b8b8b"/>
+                  <a:srgbClr val="8B8B8B"/>
                 </a:solidFill>
                 <a:latin typeface="游ゴシック"/>
               </a:rPr>
-              <a:t>2</a:t>
+              <a:t>‹#›</a:t>
             </a:fld>
-            <a:endParaRPr b="0" lang="en-US" sz="1200" spc="-1" strike="noStrike">
+            <a:endParaRPr lang="en-US" sz="1200" b="0" strike="noStrike" spc="-1">
               <a:latin typeface="Times New Roman"/>
             </a:endParaRPr>
           </a:p>
@@ -1628,12 +1799,13 @@
           </a:prstGeom>
         </p:spPr>
         <p:txBody>
-          <a:bodyPr lIns="0" rIns="0" tIns="0" bIns="0" anchor="ctr">
+          <a:bodyPr lIns="0" tIns="0" rIns="0" bIns="0" anchor="ctr">
             <a:noAutofit/>
           </a:bodyPr>
+          <a:lstStyle/>
           <a:p>
             <a:r>
-              <a:rPr b="0" lang="ja-JP" sz="1800" spc="-1" strike="noStrike">
+              <a:rPr lang="ja-JP" sz="1800" b="0" strike="noStrike" spc="-1">
                 <a:solidFill>
                   <a:srgbClr val="000000"/>
                 </a:solidFill>
@@ -1641,7 +1813,7 @@
               </a:rPr>
               <a:t>クリックしてタイトルテキストを編集</a:t>
             </a:r>
-            <a:endParaRPr b="0" lang="en-US" sz="1800" spc="-1" strike="noStrike">
+            <a:endParaRPr lang="en-US" sz="1800" b="0" strike="noStrike" spc="-1">
               <a:solidFill>
                 <a:srgbClr val="000000"/>
               </a:solidFill>
@@ -1670,9 +1842,10 @@
           </a:prstGeom>
         </p:spPr>
         <p:txBody>
-          <a:bodyPr lIns="0" rIns="0" tIns="0" bIns="0">
+          <a:bodyPr lIns="0" tIns="0" rIns="0" bIns="0">
             <a:normAutofit/>
           </a:bodyPr>
+          <a:lstStyle/>
           <a:p>
             <a:pPr marL="432000" indent="-324000">
               <a:spcBef>
@@ -1686,7 +1859,7 @@
               <a:buChar char=""/>
             </a:pPr>
             <a:r>
-              <a:rPr b="0" lang="ja-JP" sz="2800" spc="-1" strike="noStrike">
+              <a:rPr lang="ja-JP" sz="2800" b="0" strike="noStrike" spc="-1">
                 <a:solidFill>
                   <a:srgbClr val="000000"/>
                 </a:solidFill>
@@ -1694,7 +1867,7 @@
               </a:rPr>
               <a:t>クリックしてアウトラインのテキストを編集</a:t>
             </a:r>
-            <a:endParaRPr b="0" lang="en-US" sz="2800" spc="-1" strike="noStrike">
+            <a:endParaRPr lang="en-US" sz="2800" b="0" strike="noStrike" spc="-1">
               <a:solidFill>
                 <a:srgbClr val="000000"/>
               </a:solidFill>
@@ -1702,7 +1875,7 @@
             </a:endParaRPr>
           </a:p>
           <a:p>
-            <a:pPr lvl="1" marL="864000" indent="-324000">
+            <a:pPr marL="864000" lvl="1" indent="-324000">
               <a:spcBef>
                 <a:spcPts val="1134"/>
               </a:spcBef>
@@ -1714,7 +1887,7 @@
               <a:buChar char=""/>
             </a:pPr>
             <a:r>
-              <a:rPr b="0" lang="en-US" sz="2000" spc="-1" strike="noStrike">
+              <a:rPr lang="en-US" sz="2000" b="0" strike="noStrike" spc="-1">
                 <a:solidFill>
                   <a:srgbClr val="000000"/>
                 </a:solidFill>
@@ -1723,7 +1896,7 @@
               <a:t>2</a:t>
             </a:r>
             <a:r>
-              <a:rPr b="0" lang="ja-JP" sz="2000" spc="-1" strike="noStrike">
+              <a:rPr lang="ja-JP" sz="2000" b="0" strike="noStrike" spc="-1">
                 <a:solidFill>
                   <a:srgbClr val="000000"/>
                 </a:solidFill>
@@ -1731,7 +1904,7 @@
               </a:rPr>
               <a:t>レベル目のアウトライン</a:t>
             </a:r>
-            <a:endParaRPr b="0" lang="en-US" sz="2000" spc="-1" strike="noStrike">
+            <a:endParaRPr lang="en-US" sz="2000" b="0" strike="noStrike" spc="-1">
               <a:solidFill>
                 <a:srgbClr val="000000"/>
               </a:solidFill>
@@ -1739,7 +1912,7 @@
             </a:endParaRPr>
           </a:p>
           <a:p>
-            <a:pPr lvl="2" marL="1296000" indent="-288000">
+            <a:pPr marL="1296000" lvl="2" indent="-288000">
               <a:spcBef>
                 <a:spcPts val="850"/>
               </a:spcBef>
@@ -1751,7 +1924,7 @@
               <a:buChar char=""/>
             </a:pPr>
             <a:r>
-              <a:rPr b="0" lang="en-US" sz="1800" spc="-1" strike="noStrike">
+              <a:rPr lang="en-US" sz="1800" b="0" strike="noStrike" spc="-1">
                 <a:solidFill>
                   <a:srgbClr val="000000"/>
                 </a:solidFill>
@@ -1760,7 +1933,7 @@
               <a:t>3</a:t>
             </a:r>
             <a:r>
-              <a:rPr b="0" lang="ja-JP" sz="1800" spc="-1" strike="noStrike">
+              <a:rPr lang="ja-JP" sz="1800" b="0" strike="noStrike" spc="-1">
                 <a:solidFill>
                   <a:srgbClr val="000000"/>
                 </a:solidFill>
@@ -1768,7 +1941,7 @@
               </a:rPr>
               <a:t>レベル目のアウトライン</a:t>
             </a:r>
-            <a:endParaRPr b="0" lang="en-US" sz="1800" spc="-1" strike="noStrike">
+            <a:endParaRPr lang="en-US" sz="1800" b="0" strike="noStrike" spc="-1">
               <a:solidFill>
                 <a:srgbClr val="000000"/>
               </a:solidFill>
@@ -1776,7 +1949,7 @@
             </a:endParaRPr>
           </a:p>
           <a:p>
-            <a:pPr lvl="3" marL="1728000" indent="-216000">
+            <a:pPr marL="1728000" lvl="3" indent="-216000">
               <a:spcBef>
                 <a:spcPts val="567"/>
               </a:spcBef>
@@ -1788,7 +1961,7 @@
               <a:buChar char=""/>
             </a:pPr>
             <a:r>
-              <a:rPr b="0" lang="en-US" sz="1800" spc="-1" strike="noStrike">
+              <a:rPr lang="en-US" sz="1800" b="0" strike="noStrike" spc="-1">
                 <a:solidFill>
                   <a:srgbClr val="000000"/>
                 </a:solidFill>
@@ -1797,7 +1970,7 @@
               <a:t>4</a:t>
             </a:r>
             <a:r>
-              <a:rPr b="0" lang="ja-JP" sz="1800" spc="-1" strike="noStrike">
+              <a:rPr lang="ja-JP" sz="1800" b="0" strike="noStrike" spc="-1">
                 <a:solidFill>
                   <a:srgbClr val="000000"/>
                 </a:solidFill>
@@ -1805,7 +1978,7 @@
               </a:rPr>
               <a:t>レベル目のアウトライン</a:t>
             </a:r>
-            <a:endParaRPr b="0" lang="en-US" sz="1800" spc="-1" strike="noStrike">
+            <a:endParaRPr lang="en-US" sz="1800" b="0" strike="noStrike" spc="-1">
               <a:solidFill>
                 <a:srgbClr val="000000"/>
               </a:solidFill>
@@ -1813,7 +1986,7 @@
             </a:endParaRPr>
           </a:p>
           <a:p>
-            <a:pPr lvl="4" marL="2160000" indent="-216000">
+            <a:pPr marL="2160000" lvl="4" indent="-216000">
               <a:spcBef>
                 <a:spcPts val="283"/>
               </a:spcBef>
@@ -1825,7 +1998,7 @@
               <a:buChar char=""/>
             </a:pPr>
             <a:r>
-              <a:rPr b="0" lang="en-US" sz="2000" spc="-1" strike="noStrike">
+              <a:rPr lang="en-US" sz="2000" b="0" strike="noStrike" spc="-1">
                 <a:solidFill>
                   <a:srgbClr val="000000"/>
                 </a:solidFill>
@@ -1834,7 +2007,7 @@
               <a:t>5</a:t>
             </a:r>
             <a:r>
-              <a:rPr b="0" lang="ja-JP" sz="2000" spc="-1" strike="noStrike">
+              <a:rPr lang="ja-JP" sz="2000" b="0" strike="noStrike" spc="-1">
                 <a:solidFill>
                   <a:srgbClr val="000000"/>
                 </a:solidFill>
@@ -1842,7 +2015,7 @@
               </a:rPr>
               <a:t>レベル目のアウトライン</a:t>
             </a:r>
-            <a:endParaRPr b="0" lang="en-US" sz="2000" spc="-1" strike="noStrike">
+            <a:endParaRPr lang="en-US" sz="2000" b="0" strike="noStrike" spc="-1">
               <a:solidFill>
                 <a:srgbClr val="000000"/>
               </a:solidFill>
@@ -1850,7 +2023,7 @@
             </a:endParaRPr>
           </a:p>
           <a:p>
-            <a:pPr lvl="5" marL="2592000" indent="-216000">
+            <a:pPr marL="2592000" lvl="5" indent="-216000">
               <a:spcBef>
                 <a:spcPts val="283"/>
               </a:spcBef>
@@ -1862,7 +2035,7 @@
               <a:buChar char=""/>
             </a:pPr>
             <a:r>
-              <a:rPr b="0" lang="en-US" sz="2000" spc="-1" strike="noStrike">
+              <a:rPr lang="en-US" sz="2000" b="0" strike="noStrike" spc="-1">
                 <a:solidFill>
                   <a:srgbClr val="000000"/>
                 </a:solidFill>
@@ -1871,7 +2044,7 @@
               <a:t>6</a:t>
             </a:r>
             <a:r>
-              <a:rPr b="0" lang="ja-JP" sz="2000" spc="-1" strike="noStrike">
+              <a:rPr lang="ja-JP" sz="2000" b="0" strike="noStrike" spc="-1">
                 <a:solidFill>
                   <a:srgbClr val="000000"/>
                 </a:solidFill>
@@ -1879,7 +2052,7 @@
               </a:rPr>
               <a:t>レベル目のアウトライン</a:t>
             </a:r>
-            <a:endParaRPr b="0" lang="en-US" sz="2000" spc="-1" strike="noStrike">
+            <a:endParaRPr lang="en-US" sz="2000" b="0" strike="noStrike" spc="-1">
               <a:solidFill>
                 <a:srgbClr val="000000"/>
               </a:solidFill>
@@ -1887,7 +2060,7 @@
             </a:endParaRPr>
           </a:p>
           <a:p>
-            <a:pPr lvl="6" marL="3024000" indent="-216000">
+            <a:pPr marL="3024000" lvl="6" indent="-216000">
               <a:spcBef>
                 <a:spcPts val="283"/>
               </a:spcBef>
@@ -1899,7 +2072,7 @@
               <a:buChar char=""/>
             </a:pPr>
             <a:r>
-              <a:rPr b="0" lang="en-US" sz="2000" spc="-1" strike="noStrike">
+              <a:rPr lang="en-US" sz="2000" b="0" strike="noStrike" spc="-1">
                 <a:solidFill>
                   <a:srgbClr val="000000"/>
                 </a:solidFill>
@@ -1908,7 +2081,7 @@
               <a:t>7</a:t>
             </a:r>
             <a:r>
-              <a:rPr b="0" lang="ja-JP" sz="2000" spc="-1" strike="noStrike">
+              <a:rPr lang="ja-JP" sz="2000" b="0" strike="noStrike" spc="-1">
                 <a:solidFill>
                   <a:srgbClr val="000000"/>
                 </a:solidFill>
@@ -1916,7 +2089,7 @@
               </a:rPr>
               <a:t>レベル目のアウトライン</a:t>
             </a:r>
-            <a:endParaRPr b="0" lang="en-US" sz="2000" spc="-1" strike="noStrike">
+            <a:endParaRPr lang="en-US" sz="2000" b="0" strike="noStrike" spc="-1">
               <a:solidFill>
                 <a:srgbClr val="000000"/>
               </a:solidFill>
@@ -1927,26 +2100,306 @@
       </p:sp>
     </p:spTree>
   </p:cSld>
-  <p:clrMap bg1="lt1" bg2="lt2" tx1="dk1" tx2="dk2" accent1="accent1" accent2="accent2" accent3="accent3" accent4="accent4" accent5="accent5" accent6="accent6" hlink="hlink" folHlink="folHlink"/>
+  <p:clrMap bg1="lt1" tx1="dk1" bg2="lt2" tx2="dk2" accent1="accent1" accent2="accent2" accent3="accent3" accent4="accent4" accent5="accent5" accent6="accent6" hlink="hlink" folHlink="folHlink"/>
   <p:sldLayoutIdLst>
-    <p:sldLayoutId id="2147483649" r:id="rId2"/>
-    <p:sldLayoutId id="2147483650" r:id="rId3"/>
-    <p:sldLayoutId id="2147483651" r:id="rId4"/>
-    <p:sldLayoutId id="2147483652" r:id="rId5"/>
-    <p:sldLayoutId id="2147483653" r:id="rId6"/>
-    <p:sldLayoutId id="2147483654" r:id="rId7"/>
-    <p:sldLayoutId id="2147483655" r:id="rId8"/>
-    <p:sldLayoutId id="2147483656" r:id="rId9"/>
-    <p:sldLayoutId id="2147483657" r:id="rId10"/>
-    <p:sldLayoutId id="2147483658" r:id="rId11"/>
-    <p:sldLayoutId id="2147483659" r:id="rId12"/>
-    <p:sldLayoutId id="2147483660" r:id="rId13"/>
+    <p:sldLayoutId id="2147483649" r:id="rId1"/>
+    <p:sldLayoutId id="2147483650" r:id="rId2"/>
+    <p:sldLayoutId id="2147483651" r:id="rId3"/>
+    <p:sldLayoutId id="2147483652" r:id="rId4"/>
+    <p:sldLayoutId id="2147483653" r:id="rId5"/>
+    <p:sldLayoutId id="2147483654" r:id="rId6"/>
+    <p:sldLayoutId id="2147483655" r:id="rId7"/>
+    <p:sldLayoutId id="2147483656" r:id="rId8"/>
+    <p:sldLayoutId id="2147483657" r:id="rId9"/>
+    <p:sldLayoutId id="2147483658" r:id="rId10"/>
+    <p:sldLayoutId id="2147483659" r:id="rId11"/>
+    <p:sldLayoutId id="2147483660" r:id="rId12"/>
   </p:sldLayoutIdLst>
+  <p:txStyles>
+    <p:titleStyle>
+      <a:lvl1pPr algn="l" defTabSz="914400" rtl="0" eaLnBrk="1" latinLnBrk="0" hangingPunct="1">
+        <a:lnSpc>
+          <a:spcPct val="90000"/>
+        </a:lnSpc>
+        <a:spcBef>
+          <a:spcPct val="0"/>
+        </a:spcBef>
+        <a:buNone/>
+        <a:defRPr kumimoji="1" sz="4400" kern="1200">
+          <a:solidFill>
+            <a:schemeClr val="tx1"/>
+          </a:solidFill>
+          <a:latin typeface="+mj-lt"/>
+          <a:ea typeface="+mj-ea"/>
+          <a:cs typeface="+mj-cs"/>
+        </a:defRPr>
+      </a:lvl1pPr>
+    </p:titleStyle>
+    <p:bodyStyle>
+      <a:lvl1pPr marL="228600" indent="-228600" algn="l" defTabSz="914400" rtl="0" eaLnBrk="1" latinLnBrk="0" hangingPunct="1">
+        <a:lnSpc>
+          <a:spcPct val="90000"/>
+        </a:lnSpc>
+        <a:spcBef>
+          <a:spcPts val="1000"/>
+        </a:spcBef>
+        <a:buFont typeface="Arial" panose="020B0604020202020204" pitchFamily="34" charset="0"/>
+        <a:buChar char="•"/>
+        <a:defRPr kumimoji="1" sz="2800" kern="1200">
+          <a:solidFill>
+            <a:schemeClr val="tx1"/>
+          </a:solidFill>
+          <a:latin typeface="+mn-lt"/>
+          <a:ea typeface="+mn-ea"/>
+          <a:cs typeface="+mn-cs"/>
+        </a:defRPr>
+      </a:lvl1pPr>
+      <a:lvl2pPr marL="685800" indent="-228600" algn="l" defTabSz="914400" rtl="0" eaLnBrk="1" latinLnBrk="0" hangingPunct="1">
+        <a:lnSpc>
+          <a:spcPct val="90000"/>
+        </a:lnSpc>
+        <a:spcBef>
+          <a:spcPts val="500"/>
+        </a:spcBef>
+        <a:buFont typeface="Arial" panose="020B0604020202020204" pitchFamily="34" charset="0"/>
+        <a:buChar char="•"/>
+        <a:defRPr kumimoji="1" sz="2400" kern="1200">
+          <a:solidFill>
+            <a:schemeClr val="tx1"/>
+          </a:solidFill>
+          <a:latin typeface="+mn-lt"/>
+          <a:ea typeface="+mn-ea"/>
+          <a:cs typeface="+mn-cs"/>
+        </a:defRPr>
+      </a:lvl2pPr>
+      <a:lvl3pPr marL="1143000" indent="-228600" algn="l" defTabSz="914400" rtl="0" eaLnBrk="1" latinLnBrk="0" hangingPunct="1">
+        <a:lnSpc>
+          <a:spcPct val="90000"/>
+        </a:lnSpc>
+        <a:spcBef>
+          <a:spcPts val="500"/>
+        </a:spcBef>
+        <a:buFont typeface="Arial" panose="020B0604020202020204" pitchFamily="34" charset="0"/>
+        <a:buChar char="•"/>
+        <a:defRPr kumimoji="1" sz="2000" kern="1200">
+          <a:solidFill>
+            <a:schemeClr val="tx1"/>
+          </a:solidFill>
+          <a:latin typeface="+mn-lt"/>
+          <a:ea typeface="+mn-ea"/>
+          <a:cs typeface="+mn-cs"/>
+        </a:defRPr>
+      </a:lvl3pPr>
+      <a:lvl4pPr marL="1600200" indent="-228600" algn="l" defTabSz="914400" rtl="0" eaLnBrk="1" latinLnBrk="0" hangingPunct="1">
+        <a:lnSpc>
+          <a:spcPct val="90000"/>
+        </a:lnSpc>
+        <a:spcBef>
+          <a:spcPts val="500"/>
+        </a:spcBef>
+        <a:buFont typeface="Arial" panose="020B0604020202020204" pitchFamily="34" charset="0"/>
+        <a:buChar char="•"/>
+        <a:defRPr kumimoji="1" sz="1800" kern="1200">
+          <a:solidFill>
+            <a:schemeClr val="tx1"/>
+          </a:solidFill>
+          <a:latin typeface="+mn-lt"/>
+          <a:ea typeface="+mn-ea"/>
+          <a:cs typeface="+mn-cs"/>
+        </a:defRPr>
+      </a:lvl4pPr>
+      <a:lvl5pPr marL="2057400" indent="-228600" algn="l" defTabSz="914400" rtl="0" eaLnBrk="1" latinLnBrk="0" hangingPunct="1">
+        <a:lnSpc>
+          <a:spcPct val="90000"/>
+        </a:lnSpc>
+        <a:spcBef>
+          <a:spcPts val="500"/>
+        </a:spcBef>
+        <a:buFont typeface="Arial" panose="020B0604020202020204" pitchFamily="34" charset="0"/>
+        <a:buChar char="•"/>
+        <a:defRPr kumimoji="1" sz="1800" kern="1200">
+          <a:solidFill>
+            <a:schemeClr val="tx1"/>
+          </a:solidFill>
+          <a:latin typeface="+mn-lt"/>
+          <a:ea typeface="+mn-ea"/>
+          <a:cs typeface="+mn-cs"/>
+        </a:defRPr>
+      </a:lvl5pPr>
+      <a:lvl6pPr marL="2514600" indent="-228600" algn="l" defTabSz="914400" rtl="0" eaLnBrk="1" latinLnBrk="0" hangingPunct="1">
+        <a:lnSpc>
+          <a:spcPct val="90000"/>
+        </a:lnSpc>
+        <a:spcBef>
+          <a:spcPts val="500"/>
+        </a:spcBef>
+        <a:buFont typeface="Arial" panose="020B0604020202020204" pitchFamily="34" charset="0"/>
+        <a:buChar char="•"/>
+        <a:defRPr kumimoji="1" sz="1800" kern="1200">
+          <a:solidFill>
+            <a:schemeClr val="tx1"/>
+          </a:solidFill>
+          <a:latin typeface="+mn-lt"/>
+          <a:ea typeface="+mn-ea"/>
+          <a:cs typeface="+mn-cs"/>
+        </a:defRPr>
+      </a:lvl6pPr>
+      <a:lvl7pPr marL="2971800" indent="-228600" algn="l" defTabSz="914400" rtl="0" eaLnBrk="1" latinLnBrk="0" hangingPunct="1">
+        <a:lnSpc>
+          <a:spcPct val="90000"/>
+        </a:lnSpc>
+        <a:spcBef>
+          <a:spcPts val="500"/>
+        </a:spcBef>
+        <a:buFont typeface="Arial" panose="020B0604020202020204" pitchFamily="34" charset="0"/>
+        <a:buChar char="•"/>
+        <a:defRPr kumimoji="1" sz="1800" kern="1200">
+          <a:solidFill>
+            <a:schemeClr val="tx1"/>
+          </a:solidFill>
+          <a:latin typeface="+mn-lt"/>
+          <a:ea typeface="+mn-ea"/>
+          <a:cs typeface="+mn-cs"/>
+        </a:defRPr>
+      </a:lvl7pPr>
+      <a:lvl8pPr marL="3429000" indent="-228600" algn="l" defTabSz="914400" rtl="0" eaLnBrk="1" latinLnBrk="0" hangingPunct="1">
+        <a:lnSpc>
+          <a:spcPct val="90000"/>
+        </a:lnSpc>
+        <a:spcBef>
+          <a:spcPts val="500"/>
+        </a:spcBef>
+        <a:buFont typeface="Arial" panose="020B0604020202020204" pitchFamily="34" charset="0"/>
+        <a:buChar char="•"/>
+        <a:defRPr kumimoji="1" sz="1800" kern="1200">
+          <a:solidFill>
+            <a:schemeClr val="tx1"/>
+          </a:solidFill>
+          <a:latin typeface="+mn-lt"/>
+          <a:ea typeface="+mn-ea"/>
+          <a:cs typeface="+mn-cs"/>
+        </a:defRPr>
+      </a:lvl8pPr>
+      <a:lvl9pPr marL="3886200" indent="-228600" algn="l" defTabSz="914400" rtl="0" eaLnBrk="1" latinLnBrk="0" hangingPunct="1">
+        <a:lnSpc>
+          <a:spcPct val="90000"/>
+        </a:lnSpc>
+        <a:spcBef>
+          <a:spcPts val="500"/>
+        </a:spcBef>
+        <a:buFont typeface="Arial" panose="020B0604020202020204" pitchFamily="34" charset="0"/>
+        <a:buChar char="•"/>
+        <a:defRPr kumimoji="1" sz="1800" kern="1200">
+          <a:solidFill>
+            <a:schemeClr val="tx1"/>
+          </a:solidFill>
+          <a:latin typeface="+mn-lt"/>
+          <a:ea typeface="+mn-ea"/>
+          <a:cs typeface="+mn-cs"/>
+        </a:defRPr>
+      </a:lvl9pPr>
+    </p:bodyStyle>
+    <p:otherStyle>
+      <a:defPPr>
+        <a:defRPr lang="ja-JP"/>
+      </a:defPPr>
+      <a:lvl1pPr marL="0" algn="l" defTabSz="914400" rtl="0" eaLnBrk="1" latinLnBrk="0" hangingPunct="1">
+        <a:defRPr kumimoji="1" sz="1800" kern="1200">
+          <a:solidFill>
+            <a:schemeClr val="tx1"/>
+          </a:solidFill>
+          <a:latin typeface="+mn-lt"/>
+          <a:ea typeface="+mn-ea"/>
+          <a:cs typeface="+mn-cs"/>
+        </a:defRPr>
+      </a:lvl1pPr>
+      <a:lvl2pPr marL="457200" algn="l" defTabSz="914400" rtl="0" eaLnBrk="1" latinLnBrk="0" hangingPunct="1">
+        <a:defRPr kumimoji="1" sz="1800" kern="1200">
+          <a:solidFill>
+            <a:schemeClr val="tx1"/>
+          </a:solidFill>
+          <a:latin typeface="+mn-lt"/>
+          <a:ea typeface="+mn-ea"/>
+          <a:cs typeface="+mn-cs"/>
+        </a:defRPr>
+      </a:lvl2pPr>
+      <a:lvl3pPr marL="914400" algn="l" defTabSz="914400" rtl="0" eaLnBrk="1" latinLnBrk="0" hangingPunct="1">
+        <a:defRPr kumimoji="1" sz="1800" kern="1200">
+          <a:solidFill>
+            <a:schemeClr val="tx1"/>
+          </a:solidFill>
+          <a:latin typeface="+mn-lt"/>
+          <a:ea typeface="+mn-ea"/>
+          <a:cs typeface="+mn-cs"/>
+        </a:defRPr>
+      </a:lvl3pPr>
+      <a:lvl4pPr marL="1371600" algn="l" defTabSz="914400" rtl="0" eaLnBrk="1" latinLnBrk="0" hangingPunct="1">
+        <a:defRPr kumimoji="1" sz="1800" kern="1200">
+          <a:solidFill>
+            <a:schemeClr val="tx1"/>
+          </a:solidFill>
+          <a:latin typeface="+mn-lt"/>
+          <a:ea typeface="+mn-ea"/>
+          <a:cs typeface="+mn-cs"/>
+        </a:defRPr>
+      </a:lvl4pPr>
+      <a:lvl5pPr marL="1828800" algn="l" defTabSz="914400" rtl="0" eaLnBrk="1" latinLnBrk="0" hangingPunct="1">
+        <a:defRPr kumimoji="1" sz="1800" kern="1200">
+          <a:solidFill>
+            <a:schemeClr val="tx1"/>
+          </a:solidFill>
+          <a:latin typeface="+mn-lt"/>
+          <a:ea typeface="+mn-ea"/>
+          <a:cs typeface="+mn-cs"/>
+        </a:defRPr>
+      </a:lvl5pPr>
+      <a:lvl6pPr marL="2286000" algn="l" defTabSz="914400" rtl="0" eaLnBrk="1" latinLnBrk="0" hangingPunct="1">
+        <a:defRPr kumimoji="1" sz="1800" kern="1200">
+          <a:solidFill>
+            <a:schemeClr val="tx1"/>
+          </a:solidFill>
+          <a:latin typeface="+mn-lt"/>
+          <a:ea typeface="+mn-ea"/>
+          <a:cs typeface="+mn-cs"/>
+        </a:defRPr>
+      </a:lvl6pPr>
+      <a:lvl7pPr marL="2743200" algn="l" defTabSz="914400" rtl="0" eaLnBrk="1" latinLnBrk="0" hangingPunct="1">
+        <a:defRPr kumimoji="1" sz="1800" kern="1200">
+          <a:solidFill>
+            <a:schemeClr val="tx1"/>
+          </a:solidFill>
+          <a:latin typeface="+mn-lt"/>
+          <a:ea typeface="+mn-ea"/>
+          <a:cs typeface="+mn-cs"/>
+        </a:defRPr>
+      </a:lvl7pPr>
+      <a:lvl8pPr marL="3200400" algn="l" defTabSz="914400" rtl="0" eaLnBrk="1" latinLnBrk="0" hangingPunct="1">
+        <a:defRPr kumimoji="1" sz="1800" kern="1200">
+          <a:solidFill>
+            <a:schemeClr val="tx1"/>
+          </a:solidFill>
+          <a:latin typeface="+mn-lt"/>
+          <a:ea typeface="+mn-ea"/>
+          <a:cs typeface="+mn-cs"/>
+        </a:defRPr>
+      </a:lvl8pPr>
+      <a:lvl9pPr marL="3657600" algn="l" defTabSz="914400" rtl="0" eaLnBrk="1" latinLnBrk="0" hangingPunct="1">
+        <a:defRPr kumimoji="1" sz="1800" kern="1200">
+          <a:solidFill>
+            <a:schemeClr val="tx1"/>
+          </a:solidFill>
+          <a:latin typeface="+mn-lt"/>
+          <a:ea typeface="+mn-ea"/>
+          <a:cs typeface="+mn-cs"/>
+        </a:defRPr>
+      </a:lvl9pPr>
+    </p:otherStyle>
+  </p:txStyles>
 </p:sldMaster>
 </file>
 
 <file path=ppt/slides/slide1.xml><?xml version="1.0" encoding="utf-8"?>
-<p:sld xmlns:a="http://schemas.openxmlformats.org/drawingml/2006/main" xmlns:p="http://schemas.openxmlformats.org/presentationml/2006/main" xmlns:r="http://schemas.openxmlformats.org/officeDocument/2006/relationships" xmlns:p14="http://schemas.microsoft.com/office/powerpoint/2010/main" xmlns:p15="http://schemas.microsoft.com/office/powerpoint/2012/main" xmlns:mc="http://schemas.openxmlformats.org/markup-compatibility/2006">
+<p:sld xmlns:a="http://schemas.openxmlformats.org/drawingml/2006/main" xmlns:r="http://schemas.openxmlformats.org/officeDocument/2006/relationships" xmlns:p="http://schemas.openxmlformats.org/presentationml/2006/main">
   <p:cSld>
     <p:spTree>
       <p:nvGrpSpPr>
@@ -1964,12 +2417,12 @@
       </p:grpSpPr>
       <p:pic>
         <p:nvPicPr>
-          <p:cNvPr id="41" name="図 4" descr=""/>
+          <p:cNvPr id="41" name="図 4"/>
           <p:cNvPicPr/>
           <p:nvPr/>
         </p:nvPicPr>
         <p:blipFill>
-          <a:blip r:embed="rId1"/>
+          <a:blip r:embed="rId2"/>
           <a:stretch/>
         </p:blipFill>
         <p:spPr>
@@ -1987,19 +2440,14 @@
       </p:pic>
     </p:spTree>
   </p:cSld>
-  <mc:AlternateContent>
-    <mc:Choice Requires="p14">
-      <p:transition spd="slow" p14:dur="2000"/>
-    </mc:Choice>
-    <mc:Fallback>
-      <p:transition spd="slow"/>
-    </mc:Fallback>
-  </mc:AlternateContent>
+  <p:clrMapOvr>
+    <a:masterClrMapping/>
+  </p:clrMapOvr>
 </p:sld>
 </file>
 
 <file path=ppt/slides/slide2.xml><?xml version="1.0" encoding="utf-8"?>
-<p:sld xmlns:a="http://schemas.openxmlformats.org/drawingml/2006/main" xmlns:p="http://schemas.openxmlformats.org/presentationml/2006/main" xmlns:r="http://schemas.openxmlformats.org/officeDocument/2006/relationships" xmlns:p14="http://schemas.microsoft.com/office/powerpoint/2010/main" xmlns:p15="http://schemas.microsoft.com/office/powerpoint/2012/main" xmlns:mc="http://schemas.openxmlformats.org/markup-compatibility/2006">
+<p:sld xmlns:a="http://schemas.openxmlformats.org/drawingml/2006/main" xmlns:r="http://schemas.openxmlformats.org/officeDocument/2006/relationships" xmlns:p="http://schemas.openxmlformats.org/presentationml/2006/main">
   <p:cSld>
     <p:spTree>
       <p:nvGrpSpPr>
@@ -2017,12 +2465,12 @@
       </p:grpSpPr>
       <p:pic>
         <p:nvPicPr>
-          <p:cNvPr id="42" name="図 4" descr=""/>
+          <p:cNvPr id="42" name="図 4"/>
           <p:cNvPicPr/>
           <p:nvPr/>
         </p:nvPicPr>
         <p:blipFill>
-          <a:blip r:embed="rId1"/>
+          <a:blip r:embed="rId2"/>
           <a:stretch/>
         </p:blipFill>
         <p:spPr>
@@ -2053,7 +2501,7 @@
             <a:avLst/>
           </a:prstGeom>
           <a:solidFill>
-            <a:srgbClr val="92d050">
+            <a:srgbClr val="92D050">
               <a:alpha val="40000"/>
             </a:srgbClr>
           </a:solidFill>
@@ -2064,15 +2512,22 @@
           </a:ln>
         </p:spPr>
         <p:style>
-          <a:lnRef idx="0"/>
-          <a:fillRef idx="0"/>
-          <a:effectRef idx="0"/>
+          <a:lnRef idx="0">
+            <a:scrgbClr r="0" g="0" b="0"/>
+          </a:lnRef>
+          <a:fillRef idx="0">
+            <a:scrgbClr r="0" g="0" b="0"/>
+          </a:fillRef>
+          <a:effectRef idx="0">
+            <a:scrgbClr r="0" g="0" b="0"/>
+          </a:effectRef>
           <a:fontRef idx="minor"/>
         </p:style>
         <p:txBody>
-          <a:bodyPr lIns="90000" rIns="90000" tIns="45000" bIns="45000">
+          <a:bodyPr lIns="90000" tIns="45000" rIns="90000" bIns="45000">
             <a:noAutofit/>
           </a:bodyPr>
+          <a:lstStyle/>
           <a:p>
             <a:pPr>
               <a:lnSpc>
@@ -2080,7 +2535,7 @@
               </a:lnSpc>
             </a:pPr>
             <a:r>
-              <a:rPr b="0" lang="en-US" sz="730" spc="-1" strike="noStrike">
+              <a:rPr lang="en-US" sz="730" b="0" strike="noStrike" spc="-1">
                 <a:solidFill>
                   <a:srgbClr val="000000"/>
                 </a:solidFill>
@@ -2088,7 +2543,7 @@
               </a:rPr>
               <a:t>Variables (inputs) related to steady state (center of linearization) flight condition</a:t>
             </a:r>
-            <a:endParaRPr b="0" lang="en-US" sz="730" spc="-1" strike="noStrike">
+            <a:endParaRPr lang="en-US" sz="730" b="0" strike="noStrike" spc="-1">
               <a:latin typeface="Arial"/>
             </a:endParaRPr>
           </a:p>
@@ -2109,6 +2564,7 @@
             <a:avLst/>
             <a:gdLst/>
             <a:ahLst/>
+            <a:cxnLst/>
             <a:rect l="l" t="t" r="r" b="b"/>
             <a:pathLst>
               <a:path w="21600" h="21600">
@@ -2126,7 +2582,7 @@
             <a:solidFill>
               <a:srgbClr val="000000"/>
             </a:solidFill>
-            <a:tailEnd len="med" type="oval" w="med"/>
+            <a:tailEnd type="oval" w="med" len="med"/>
           </a:ln>
         </p:spPr>
         <p:style>
@@ -2157,7 +2613,7 @@
             <a:avLst/>
           </a:prstGeom>
           <a:solidFill>
-            <a:srgbClr val="92d050">
+            <a:srgbClr val="92D050">
               <a:alpha val="40000"/>
             </a:srgbClr>
           </a:solidFill>
@@ -2168,15 +2624,22 @@
           </a:ln>
         </p:spPr>
         <p:style>
-          <a:lnRef idx="0"/>
-          <a:fillRef idx="0"/>
-          <a:effectRef idx="0"/>
+          <a:lnRef idx="0">
+            <a:scrgbClr r="0" g="0" b="0"/>
+          </a:lnRef>
+          <a:fillRef idx="0">
+            <a:scrgbClr r="0" g="0" b="0"/>
+          </a:fillRef>
+          <a:effectRef idx="0">
+            <a:scrgbClr r="0" g="0" b="0"/>
+          </a:effectRef>
           <a:fontRef idx="minor"/>
         </p:style>
         <p:txBody>
-          <a:bodyPr lIns="90000" rIns="90000" tIns="45000" bIns="45000">
+          <a:bodyPr lIns="90000" tIns="45000" rIns="90000" bIns="45000">
             <a:noAutofit/>
           </a:bodyPr>
+          <a:lstStyle/>
           <a:p>
             <a:pPr>
               <a:lnSpc>
@@ -2184,7 +2647,7 @@
               </a:lnSpc>
             </a:pPr>
             <a:r>
-              <a:rPr b="0" lang="en-US" sz="730" spc="-1" strike="noStrike">
+              <a:rPr lang="en-US" sz="730" b="0" strike="noStrike" spc="-1">
                 <a:solidFill>
                   <a:srgbClr val="000000"/>
                 </a:solidFill>
@@ -2192,7 +2655,7 @@
               </a:rPr>
               <a:t>Flight control inputs:</a:t>
             </a:r>
-            <a:endParaRPr b="0" lang="en-US" sz="730" spc="-1" strike="noStrike">
+            <a:endParaRPr lang="en-US" sz="730" b="0" strike="noStrike" spc="-1">
               <a:latin typeface="Arial"/>
             </a:endParaRPr>
           </a:p>
@@ -2203,7 +2666,7 @@
               </a:lnSpc>
             </a:pPr>
             <a:r>
-              <a:rPr b="0" lang="en-US" sz="730" spc="-1" strike="noStrike">
+              <a:rPr lang="en-US" sz="730" b="0" strike="noStrike" spc="-1">
                 <a:solidFill>
                   <a:srgbClr val="000000"/>
                 </a:solidFill>
@@ -2211,7 +2674,7 @@
               </a:rPr>
               <a:t>Change in elevator angle</a:t>
             </a:r>
-            <a:endParaRPr b="0" lang="en-US" sz="730" spc="-1" strike="noStrike">
+            <a:endParaRPr lang="en-US" sz="730" b="0" strike="noStrike" spc="-1">
               <a:latin typeface="Arial"/>
             </a:endParaRPr>
           </a:p>
@@ -2222,7 +2685,7 @@
               </a:lnSpc>
             </a:pPr>
             <a:r>
-              <a:rPr b="0" lang="en-US" sz="730" spc="-1" strike="noStrike">
+              <a:rPr lang="en-US" sz="730" b="0" strike="noStrike" spc="-1">
                 <a:solidFill>
                   <a:srgbClr val="000000"/>
                 </a:solidFill>
@@ -2230,7 +2693,7 @@
               </a:rPr>
               <a:t>Change in thrust</a:t>
             </a:r>
-            <a:endParaRPr b="0" lang="en-US" sz="730" spc="-1" strike="noStrike">
+            <a:endParaRPr lang="en-US" sz="730" b="0" strike="noStrike" spc="-1">
               <a:latin typeface="Arial"/>
             </a:endParaRPr>
           </a:p>
@@ -2251,6 +2714,7 @@
             <a:avLst/>
             <a:gdLst/>
             <a:ahLst/>
+            <a:cxnLst/>
             <a:rect l="l" t="t" r="r" b="b"/>
             <a:pathLst>
               <a:path w="21600" h="21600">
@@ -2268,7 +2732,7 @@
             <a:solidFill>
               <a:srgbClr val="000000"/>
             </a:solidFill>
-            <a:tailEnd len="med" type="oval" w="med"/>
+            <a:tailEnd type="oval" w="med" len="med"/>
           </a:ln>
         </p:spPr>
         <p:style>
@@ -2299,6 +2763,7 @@
             <a:avLst/>
             <a:gdLst/>
             <a:ahLst/>
+            <a:cxnLst/>
             <a:rect l="l" t="t" r="r" b="b"/>
             <a:pathLst>
               <a:path w="21600" h="21600">
@@ -2316,7 +2781,7 @@
             <a:solidFill>
               <a:srgbClr val="000000"/>
             </a:solidFill>
-            <a:tailEnd len="med" type="oval" w="med"/>
+            <a:tailEnd type="oval" w="med" len="med"/>
           </a:ln>
         </p:spPr>
         <p:style>
@@ -2347,7 +2812,7 @@
             <a:avLst/>
           </a:prstGeom>
           <a:solidFill>
-            <a:srgbClr val="92d050">
+            <a:srgbClr val="92D050">
               <a:alpha val="40000"/>
             </a:srgbClr>
           </a:solidFill>
@@ -2358,15 +2823,22 @@
           </a:ln>
         </p:spPr>
         <p:style>
-          <a:lnRef idx="0"/>
-          <a:fillRef idx="0"/>
-          <a:effectRef idx="0"/>
+          <a:lnRef idx="0">
+            <a:scrgbClr r="0" g="0" b="0"/>
+          </a:lnRef>
+          <a:fillRef idx="0">
+            <a:scrgbClr r="0" g="0" b="0"/>
+          </a:fillRef>
+          <a:effectRef idx="0">
+            <a:scrgbClr r="0" g="0" b="0"/>
+          </a:effectRef>
           <a:fontRef idx="minor"/>
         </p:style>
         <p:txBody>
-          <a:bodyPr lIns="90000" rIns="90000" tIns="45000" bIns="45000">
+          <a:bodyPr lIns="90000" tIns="45000" rIns="90000" bIns="45000">
             <a:noAutofit/>
           </a:bodyPr>
+          <a:lstStyle/>
           <a:p>
             <a:pPr>
               <a:lnSpc>
@@ -2374,7 +2846,7 @@
               </a:lnSpc>
             </a:pPr>
             <a:r>
-              <a:rPr b="0" lang="en-US" sz="730" spc="-1" strike="noStrike">
+              <a:rPr lang="en-US" sz="730" b="0" strike="noStrike" spc="-1">
                 <a:solidFill>
                   <a:srgbClr val="000000"/>
                 </a:solidFill>
@@ -2382,7 +2854,7 @@
               </a:rPr>
               <a:t>Variables (inputs) related to aircraft properties.</a:t>
             </a:r>
-            <a:endParaRPr b="0" lang="en-US" sz="730" spc="-1" strike="noStrike">
+            <a:endParaRPr lang="en-US" sz="730" b="0" strike="noStrike" spc="-1">
               <a:latin typeface="Arial"/>
             </a:endParaRPr>
           </a:p>
@@ -2403,6 +2875,7 @@
             <a:avLst/>
             <a:gdLst/>
             <a:ahLst/>
+            <a:cxnLst/>
             <a:rect l="l" t="t" r="r" b="b"/>
             <a:pathLst>
               <a:path w="21600" h="21600">
@@ -2487,7 +2960,7 @@
             <a:avLst/>
           </a:prstGeom>
           <a:solidFill>
-            <a:srgbClr val="92d050">
+            <a:srgbClr val="92D050">
               <a:alpha val="40000"/>
             </a:srgbClr>
           </a:solidFill>
@@ -2498,15 +2971,22 @@
           </a:ln>
         </p:spPr>
         <p:style>
-          <a:lnRef idx="0"/>
-          <a:fillRef idx="0"/>
-          <a:effectRef idx="0"/>
+          <a:lnRef idx="0">
+            <a:scrgbClr r="0" g="0" b="0"/>
+          </a:lnRef>
+          <a:fillRef idx="0">
+            <a:scrgbClr r="0" g="0" b="0"/>
+          </a:fillRef>
+          <a:effectRef idx="0">
+            <a:scrgbClr r="0" g="0" b="0"/>
+          </a:effectRef>
           <a:fontRef idx="minor"/>
         </p:style>
         <p:txBody>
-          <a:bodyPr lIns="90000" rIns="90000" tIns="45000" bIns="45000">
+          <a:bodyPr lIns="90000" tIns="45000" rIns="90000" bIns="45000">
             <a:noAutofit/>
           </a:bodyPr>
+          <a:lstStyle/>
           <a:p>
             <a:pPr>
               <a:lnSpc>
@@ -2514,7 +2994,7 @@
               </a:lnSpc>
             </a:pPr>
             <a:r>
-              <a:rPr b="0" lang="en-US" sz="730" spc="-1" strike="noStrike">
+              <a:rPr lang="en-US" sz="730" b="0" strike="noStrike" spc="-1">
                 <a:solidFill>
                   <a:srgbClr val="000000"/>
                 </a:solidFill>
@@ -2522,7 +3002,7 @@
               </a:rPr>
               <a:t>This outer component provides global constants, such as “g” value, to dynamics component</a:t>
             </a:r>
-            <a:endParaRPr b="0" lang="en-US" sz="730" spc="-1" strike="noStrike">
+            <a:endParaRPr lang="en-US" sz="730" b="0" strike="noStrike" spc="-1">
               <a:latin typeface="Arial"/>
             </a:endParaRPr>
           </a:p>
@@ -2543,6 +3023,7 @@
             <a:avLst/>
             <a:gdLst/>
             <a:ahLst/>
+            <a:cxnLst/>
             <a:rect l="l" t="t" r="r" b="b"/>
             <a:pathLst>
               <a:path w="21600" h="21600">
@@ -2560,7 +3041,7 @@
             <a:solidFill>
               <a:srgbClr val="000000"/>
             </a:solidFill>
-            <a:tailEnd len="med" type="oval" w="med"/>
+            <a:tailEnd type="oval" w="med" len="med"/>
           </a:ln>
         </p:spPr>
         <p:style>
@@ -2578,19 +3059,14 @@
       </p:sp>
     </p:spTree>
   </p:cSld>
-  <mc:AlternateContent>
-    <mc:Choice Requires="p14">
-      <p:transition spd="slow" p14:dur="2000"/>
-    </mc:Choice>
-    <mc:Fallback>
-      <p:transition spd="slow"/>
-    </mc:Fallback>
-  </mc:AlternateContent>
+  <p:clrMapOvr>
+    <a:masterClrMapping/>
+  </p:clrMapOvr>
 </p:sld>
 </file>
 
 <file path=ppt/slides/slide3.xml><?xml version="1.0" encoding="utf-8"?>
-<p:sld xmlns:a="http://schemas.openxmlformats.org/drawingml/2006/main" xmlns:p="http://schemas.openxmlformats.org/presentationml/2006/main" xmlns:r="http://schemas.openxmlformats.org/officeDocument/2006/relationships" xmlns:p14="http://schemas.microsoft.com/office/powerpoint/2010/main" xmlns:p15="http://schemas.microsoft.com/office/powerpoint/2012/main" xmlns:mc="http://schemas.openxmlformats.org/markup-compatibility/2006">
+<p:sld xmlns:a="http://schemas.openxmlformats.org/drawingml/2006/main" xmlns:r="http://schemas.openxmlformats.org/officeDocument/2006/relationships" xmlns:p="http://schemas.openxmlformats.org/presentationml/2006/main">
   <p:cSld>
     <p:spTree>
       <p:nvGrpSpPr>
@@ -2608,12 +3084,12 @@
       </p:grpSpPr>
       <p:pic>
         <p:nvPicPr>
-          <p:cNvPr id="53" name="図 2" descr=""/>
+          <p:cNvPr id="53" name="図 2"/>
           <p:cNvPicPr/>
           <p:nvPr/>
         </p:nvPicPr>
         <p:blipFill>
-          <a:blip r:embed="rId1"/>
+          <a:blip r:embed="rId2"/>
           <a:stretch/>
         </p:blipFill>
         <p:spPr>
@@ -2631,19 +3107,14 @@
       </p:pic>
     </p:spTree>
   </p:cSld>
-  <mc:AlternateContent>
-    <mc:Choice Requires="p14">
-      <p:transition spd="slow" p14:dur="2000"/>
-    </mc:Choice>
-    <mc:Fallback>
-      <p:transition spd="slow"/>
-    </mc:Fallback>
-  </mc:AlternateContent>
+  <p:clrMapOvr>
+    <a:masterClrMapping/>
+  </p:clrMapOvr>
 </p:sld>
 </file>
 
 <file path=ppt/slides/slide4.xml><?xml version="1.0" encoding="utf-8"?>
-<p:sld xmlns:a="http://schemas.openxmlformats.org/drawingml/2006/main" xmlns:p="http://schemas.openxmlformats.org/presentationml/2006/main" xmlns:r="http://schemas.openxmlformats.org/officeDocument/2006/relationships" xmlns:p14="http://schemas.microsoft.com/office/powerpoint/2010/main" xmlns:p15="http://schemas.microsoft.com/office/powerpoint/2012/main" xmlns:mc="http://schemas.openxmlformats.org/markup-compatibility/2006">
+<p:sld xmlns:a="http://schemas.openxmlformats.org/drawingml/2006/main" xmlns:r="http://schemas.openxmlformats.org/officeDocument/2006/relationships" xmlns:p="http://schemas.openxmlformats.org/presentationml/2006/main">
   <p:cSld>
     <p:spTree>
       <p:nvGrpSpPr>
@@ -2661,12 +3132,12 @@
       </p:grpSpPr>
       <p:pic>
         <p:nvPicPr>
-          <p:cNvPr id="54" name="図 1" descr=""/>
+          <p:cNvPr id="54" name="図 1"/>
           <p:cNvPicPr/>
           <p:nvPr/>
         </p:nvPicPr>
         <p:blipFill>
-          <a:blip r:embed="rId1"/>
+          <a:blip r:embed="rId2"/>
           <a:stretch/>
         </p:blipFill>
         <p:spPr>
@@ -2697,7 +3168,7 @@
             <a:avLst/>
           </a:prstGeom>
           <a:solidFill>
-            <a:srgbClr val="92d050">
+            <a:srgbClr val="92D050">
               <a:alpha val="40000"/>
             </a:srgbClr>
           </a:solidFill>
@@ -2708,15 +3179,22 @@
           </a:ln>
         </p:spPr>
         <p:style>
-          <a:lnRef idx="0"/>
-          <a:fillRef idx="0"/>
-          <a:effectRef idx="0"/>
+          <a:lnRef idx="0">
+            <a:scrgbClr r="0" g="0" b="0"/>
+          </a:lnRef>
+          <a:fillRef idx="0">
+            <a:scrgbClr r="0" g="0" b="0"/>
+          </a:fillRef>
+          <a:effectRef idx="0">
+            <a:scrgbClr r="0" g="0" b="0"/>
+          </a:effectRef>
           <a:fontRef idx="minor"/>
         </p:style>
         <p:txBody>
-          <a:bodyPr lIns="90000" rIns="90000" tIns="45000" bIns="45000">
+          <a:bodyPr lIns="90000" tIns="45000" rIns="90000" bIns="45000">
             <a:noAutofit/>
           </a:bodyPr>
+          <a:lstStyle/>
           <a:p>
             <a:pPr>
               <a:lnSpc>
@@ -2724,7 +3202,7 @@
               </a:lnSpc>
             </a:pPr>
             <a:r>
-              <a:rPr b="0" lang="en-US" sz="730" spc="-1" strike="noStrike">
+              <a:rPr lang="en-US" sz="730" b="0" strike="noStrike" spc="-1">
                 <a:solidFill>
                   <a:srgbClr val="000000"/>
                 </a:solidFill>
@@ -2732,7 +3210,7 @@
               </a:rPr>
               <a:t>This outer component provides global constants, such as “g” value, to dynamics component</a:t>
             </a:r>
-            <a:endParaRPr b="0" lang="en-US" sz="730" spc="-1" strike="noStrike">
+            <a:endParaRPr lang="en-US" sz="730" b="0" strike="noStrike" spc="-1">
               <a:latin typeface="Arial"/>
             </a:endParaRPr>
           </a:p>
@@ -2753,6 +3231,7 @@
             <a:avLst/>
             <a:gdLst/>
             <a:ahLst/>
+            <a:cxnLst/>
             <a:rect l="l" t="t" r="r" b="b"/>
             <a:pathLst>
               <a:path w="21600" h="21600">
@@ -2770,7 +3249,7 @@
             <a:solidFill>
               <a:srgbClr val="000000"/>
             </a:solidFill>
-            <a:tailEnd len="med" type="oval" w="med"/>
+            <a:tailEnd type="oval" w="med" len="med"/>
           </a:ln>
         </p:spPr>
         <p:style>
@@ -2801,7 +3280,7 @@
             <a:avLst/>
           </a:prstGeom>
           <a:solidFill>
-            <a:srgbClr val="92d050">
+            <a:srgbClr val="92D050">
               <a:alpha val="40000"/>
             </a:srgbClr>
           </a:solidFill>
@@ -2812,15 +3291,22 @@
           </a:ln>
         </p:spPr>
         <p:style>
-          <a:lnRef idx="0"/>
-          <a:fillRef idx="0"/>
-          <a:effectRef idx="0"/>
+          <a:lnRef idx="0">
+            <a:scrgbClr r="0" g="0" b="0"/>
+          </a:lnRef>
+          <a:fillRef idx="0">
+            <a:scrgbClr r="0" g="0" b="0"/>
+          </a:fillRef>
+          <a:effectRef idx="0">
+            <a:scrgbClr r="0" g="0" b="0"/>
+          </a:effectRef>
           <a:fontRef idx="minor"/>
         </p:style>
         <p:txBody>
-          <a:bodyPr lIns="90000" rIns="90000" tIns="45000" bIns="45000">
+          <a:bodyPr lIns="90000" tIns="45000" rIns="90000" bIns="45000">
             <a:noAutofit/>
           </a:bodyPr>
+          <a:lstStyle/>
           <a:p>
             <a:pPr>
               <a:lnSpc>
@@ -2828,7 +3314,7 @@
               </a:lnSpc>
             </a:pPr>
             <a:r>
-              <a:rPr b="0" lang="en-US" sz="730" spc="-1" strike="noStrike">
+              <a:rPr lang="en-US" sz="730" b="0" strike="noStrike" spc="-1" dirty="0">
                 <a:solidFill>
                   <a:srgbClr val="000000"/>
                 </a:solidFill>
@@ -2836,7 +3322,7 @@
               </a:rPr>
               <a:t>Variables (inputs) related to steady state (center of linearization) flight condition</a:t>
             </a:r>
-            <a:endParaRPr b="0" lang="en-US" sz="730" spc="-1" strike="noStrike">
+            <a:endParaRPr lang="en-US" sz="730" b="0" strike="noStrike" spc="-1" dirty="0">
               <a:latin typeface="Arial"/>
             </a:endParaRPr>
           </a:p>
@@ -2857,6 +3343,7 @@
             <a:avLst/>
             <a:gdLst/>
             <a:ahLst/>
+            <a:cxnLst/>
             <a:rect l="l" t="t" r="r" b="b"/>
             <a:pathLst>
               <a:path w="21600" h="21600">
@@ -2874,7 +3361,7 @@
             <a:solidFill>
               <a:srgbClr val="000000"/>
             </a:solidFill>
-            <a:tailEnd len="med" type="oval" w="med"/>
+            <a:tailEnd type="oval" w="med" len="med"/>
           </a:ln>
         </p:spPr>
         <p:style>
@@ -2905,7 +3392,7 @@
             <a:avLst/>
           </a:prstGeom>
           <a:solidFill>
-            <a:srgbClr val="92d050">
+            <a:srgbClr val="92D050">
               <a:alpha val="40000"/>
             </a:srgbClr>
           </a:solidFill>
@@ -2916,15 +3403,22 @@
           </a:ln>
         </p:spPr>
         <p:style>
-          <a:lnRef idx="0"/>
-          <a:fillRef idx="0"/>
-          <a:effectRef idx="0"/>
+          <a:lnRef idx="0">
+            <a:scrgbClr r="0" g="0" b="0"/>
+          </a:lnRef>
+          <a:fillRef idx="0">
+            <a:scrgbClr r="0" g="0" b="0"/>
+          </a:fillRef>
+          <a:effectRef idx="0">
+            <a:scrgbClr r="0" g="0" b="0"/>
+          </a:effectRef>
           <a:fontRef idx="minor"/>
         </p:style>
         <p:txBody>
-          <a:bodyPr lIns="90000" rIns="90000" tIns="45000" bIns="45000">
+          <a:bodyPr lIns="90000" tIns="45000" rIns="90000" bIns="45000">
             <a:noAutofit/>
           </a:bodyPr>
+          <a:lstStyle/>
           <a:p>
             <a:pPr>
               <a:lnSpc>
@@ -2932,7 +3426,7 @@
               </a:lnSpc>
             </a:pPr>
             <a:r>
-              <a:rPr b="0" lang="en-US" sz="730" spc="-1" strike="noStrike">
+              <a:rPr lang="en-US" sz="730" b="0" strike="noStrike" spc="-1">
                 <a:solidFill>
                   <a:srgbClr val="000000"/>
                 </a:solidFill>
@@ -2940,7 +3434,7 @@
               </a:rPr>
               <a:t>Variables (inputs) related to aircraft properties.</a:t>
             </a:r>
-            <a:endParaRPr b="0" lang="en-US" sz="730" spc="-1" strike="noStrike">
+            <a:endParaRPr lang="en-US" sz="730" b="0" strike="noStrike" spc="-1">
               <a:latin typeface="Arial"/>
             </a:endParaRPr>
           </a:p>
@@ -2961,6 +3455,7 @@
             <a:avLst/>
             <a:gdLst/>
             <a:ahLst/>
+            <a:cxnLst/>
             <a:rect l="l" t="t" r="r" b="b"/>
             <a:pathLst>
               <a:path w="21600" h="21600">
@@ -3045,7 +3540,7 @@
             <a:avLst/>
           </a:prstGeom>
           <a:solidFill>
-            <a:srgbClr val="92d050">
+            <a:srgbClr val="92D050">
               <a:alpha val="40000"/>
             </a:srgbClr>
           </a:solidFill>
@@ -3056,15 +3551,22 @@
           </a:ln>
         </p:spPr>
         <p:style>
-          <a:lnRef idx="0"/>
-          <a:fillRef idx="0"/>
-          <a:effectRef idx="0"/>
+          <a:lnRef idx="0">
+            <a:scrgbClr r="0" g="0" b="0"/>
+          </a:lnRef>
+          <a:fillRef idx="0">
+            <a:scrgbClr r="0" g="0" b="0"/>
+          </a:fillRef>
+          <a:effectRef idx="0">
+            <a:scrgbClr r="0" g="0" b="0"/>
+          </a:effectRef>
           <a:fontRef idx="minor"/>
         </p:style>
         <p:txBody>
-          <a:bodyPr lIns="90000" rIns="90000" tIns="45000" bIns="45000">
+          <a:bodyPr lIns="90000" tIns="45000" rIns="90000" bIns="45000">
             <a:noAutofit/>
           </a:bodyPr>
+          <a:lstStyle/>
           <a:p>
             <a:pPr>
               <a:lnSpc>
@@ -3072,7 +3574,7 @@
               </a:lnSpc>
             </a:pPr>
             <a:r>
-              <a:rPr b="0" lang="en-US" sz="730" spc="-1" strike="noStrike">
+              <a:rPr lang="en-US" sz="730" b="0" strike="noStrike" spc="-1">
                 <a:solidFill>
                   <a:srgbClr val="000000"/>
                 </a:solidFill>
@@ -3080,7 +3582,7 @@
               </a:rPr>
               <a:t>Flight control inputs:</a:t>
             </a:r>
-            <a:endParaRPr b="0" lang="en-US" sz="730" spc="-1" strike="noStrike">
+            <a:endParaRPr lang="en-US" sz="730" b="0" strike="noStrike" spc="-1">
               <a:latin typeface="Arial"/>
             </a:endParaRPr>
           </a:p>
@@ -3091,7 +3593,7 @@
               </a:lnSpc>
             </a:pPr>
             <a:r>
-              <a:rPr b="0" lang="en-US" sz="730" spc="-1" strike="noStrike">
+              <a:rPr lang="en-US" sz="730" b="0" strike="noStrike" spc="-1">
                 <a:solidFill>
                   <a:srgbClr val="000000"/>
                 </a:solidFill>
@@ -3099,7 +3601,7 @@
               </a:rPr>
               <a:t>Change in elevator angle</a:t>
             </a:r>
-            <a:endParaRPr b="0" lang="en-US" sz="730" spc="-1" strike="noStrike">
+            <a:endParaRPr lang="en-US" sz="730" b="0" strike="noStrike" spc="-1">
               <a:latin typeface="Arial"/>
             </a:endParaRPr>
           </a:p>
@@ -3110,7 +3612,7 @@
               </a:lnSpc>
             </a:pPr>
             <a:r>
-              <a:rPr b="0" lang="en-US" sz="730" spc="-1" strike="noStrike">
+              <a:rPr lang="en-US" sz="730" b="0" strike="noStrike" spc="-1">
                 <a:solidFill>
                   <a:srgbClr val="000000"/>
                 </a:solidFill>
@@ -3118,7 +3620,7 @@
               </a:rPr>
               <a:t>Change in thrust</a:t>
             </a:r>
-            <a:endParaRPr b="0" lang="en-US" sz="730" spc="-1" strike="noStrike">
+            <a:endParaRPr lang="en-US" sz="730" b="0" strike="noStrike" spc="-1">
               <a:latin typeface="Arial"/>
             </a:endParaRPr>
           </a:p>
@@ -3139,6 +3641,7 @@
             <a:avLst/>
             <a:gdLst/>
             <a:ahLst/>
+            <a:cxnLst/>
             <a:rect l="l" t="t" r="r" b="b"/>
             <a:pathLst>
               <a:path w="21600" h="21600">
@@ -3156,7 +3659,7 @@
             <a:solidFill>
               <a:srgbClr val="000000"/>
             </a:solidFill>
-            <a:tailEnd len="med" type="oval" w="med"/>
+            <a:tailEnd type="oval" w="med" len="med"/>
           </a:ln>
         </p:spPr>
         <p:style>
@@ -3187,6 +3690,7 @@
             <a:avLst/>
             <a:gdLst/>
             <a:ahLst/>
+            <a:cxnLst/>
             <a:rect l="l" t="t" r="r" b="b"/>
             <a:pathLst>
               <a:path w="21600" h="21600">
@@ -3204,7 +3708,7 @@
             <a:solidFill>
               <a:srgbClr val="000000"/>
             </a:solidFill>
-            <a:tailEnd len="med" type="oval" w="med"/>
+            <a:tailEnd type="oval" w="med" len="med"/>
           </a:ln>
         </p:spPr>
         <p:style>
@@ -3222,19 +3726,14 @@
       </p:sp>
     </p:spTree>
   </p:cSld>
-  <mc:AlternateContent>
-    <mc:Choice Requires="p14">
-      <p:transition spd="slow" p14:dur="2000"/>
-    </mc:Choice>
-    <mc:Fallback>
-      <p:transition spd="slow"/>
-    </mc:Fallback>
-  </mc:AlternateContent>
+  <p:clrMapOvr>
+    <a:masterClrMapping/>
+  </p:clrMapOvr>
 </p:sld>
 </file>
 
 <file path=ppt/slides/slide5.xml><?xml version="1.0" encoding="utf-8"?>
-<p:sld xmlns:a="http://schemas.openxmlformats.org/drawingml/2006/main" xmlns:p="http://schemas.openxmlformats.org/presentationml/2006/main" xmlns:r="http://schemas.openxmlformats.org/officeDocument/2006/relationships" xmlns:p14="http://schemas.microsoft.com/office/powerpoint/2010/main" xmlns:p15="http://schemas.microsoft.com/office/powerpoint/2012/main" xmlns:mc="http://schemas.openxmlformats.org/markup-compatibility/2006">
+<p:sld xmlns:a="http://schemas.openxmlformats.org/drawingml/2006/main" xmlns:r="http://schemas.openxmlformats.org/officeDocument/2006/relationships" xmlns:p="http://schemas.openxmlformats.org/presentationml/2006/main">
   <p:cSld>
     <p:spTree>
       <p:nvGrpSpPr>
@@ -3252,12 +3751,12 @@
       </p:grpSpPr>
       <p:pic>
         <p:nvPicPr>
-          <p:cNvPr id="65" name="" descr=""/>
+          <p:cNvPr id="65" name="図 64"/>
           <p:cNvPicPr/>
           <p:nvPr/>
         </p:nvPicPr>
         <p:blipFill>
-          <a:blip r:embed="rId1"/>
+          <a:blip r:embed="rId2"/>
           <a:stretch/>
         </p:blipFill>
         <p:spPr>
@@ -3275,19 +3774,14 @@
       </p:pic>
     </p:spTree>
   </p:cSld>
-  <mc:AlternateContent>
-    <mc:Choice Requires="p14">
-      <p:transition spd="slow" p14:dur="2000"/>
-    </mc:Choice>
-    <mc:Fallback>
-      <p:transition spd="slow"/>
-    </mc:Fallback>
-  </mc:AlternateContent>
+  <p:clrMapOvr>
+    <a:masterClrMapping/>
+  </p:clrMapOvr>
 </p:sld>
 </file>
 
 <file path=ppt/slides/slide6.xml><?xml version="1.0" encoding="utf-8"?>
-<p:sld xmlns:a="http://schemas.openxmlformats.org/drawingml/2006/main" xmlns:p="http://schemas.openxmlformats.org/presentationml/2006/main" xmlns:r="http://schemas.openxmlformats.org/officeDocument/2006/relationships" xmlns:p14="http://schemas.microsoft.com/office/powerpoint/2010/main" xmlns:p15="http://schemas.microsoft.com/office/powerpoint/2012/main" xmlns:mc="http://schemas.openxmlformats.org/markup-compatibility/2006">
+<p:sld xmlns:a="http://schemas.openxmlformats.org/drawingml/2006/main" xmlns:r="http://schemas.openxmlformats.org/officeDocument/2006/relationships" xmlns:p="http://schemas.openxmlformats.org/presentationml/2006/main">
   <p:cSld>
     <p:spTree>
       <p:nvGrpSpPr>
@@ -3305,12 +3799,12 @@
       </p:grpSpPr>
       <p:pic>
         <p:nvPicPr>
-          <p:cNvPr id="66" name="" descr=""/>
+          <p:cNvPr id="66" name="図 65"/>
           <p:cNvPicPr/>
           <p:nvPr/>
         </p:nvPicPr>
         <p:blipFill>
-          <a:blip r:embed="rId1"/>
+          <a:blip r:embed="rId2"/>
           <a:stretch/>
         </p:blipFill>
         <p:spPr>
@@ -3326,21 +3820,475 @@
           </a:ln>
         </p:spPr>
       </p:pic>
+      <p:sp>
+        <p:nvSpPr>
+          <p:cNvPr id="3" name="テキスト ボックス 10">
+            <a:extLst>
+              <a:ext uri="{FF2B5EF4-FFF2-40B4-BE49-F238E27FC236}">
+                <a16:creationId xmlns:a16="http://schemas.microsoft.com/office/drawing/2014/main" id="{B51627DE-4432-4B6C-B04F-FEB1B7070B28}"/>
+              </a:ext>
+            </a:extLst>
+          </p:cNvPr>
+          <p:cNvSpPr/>
+          <p:nvPr/>
+        </p:nvSpPr>
+        <p:spPr>
+          <a:xfrm>
+            <a:off x="6095880" y="2425319"/>
+            <a:ext cx="1521360" cy="484857"/>
+          </a:xfrm>
+          <a:prstGeom prst="rect">
+            <a:avLst/>
+          </a:prstGeom>
+          <a:solidFill>
+            <a:srgbClr val="92D050">
+              <a:alpha val="40000"/>
+            </a:srgbClr>
+          </a:solidFill>
+          <a:ln w="0">
+            <a:solidFill>
+              <a:srgbClr val="000000"/>
+            </a:solidFill>
+          </a:ln>
+        </p:spPr>
+        <p:style>
+          <a:lnRef idx="0">
+            <a:scrgbClr r="0" g="0" b="0"/>
+          </a:lnRef>
+          <a:fillRef idx="0">
+            <a:scrgbClr r="0" g="0" b="0"/>
+          </a:fillRef>
+          <a:effectRef idx="0">
+            <a:scrgbClr r="0" g="0" b="0"/>
+          </a:effectRef>
+          <a:fontRef idx="minor"/>
+        </p:style>
+        <p:txBody>
+          <a:bodyPr lIns="90000" tIns="45000" rIns="90000" bIns="45000">
+            <a:noAutofit/>
+          </a:bodyPr>
+          <a:lstStyle/>
+          <a:p>
+            <a:pPr>
+              <a:lnSpc>
+                <a:spcPct val="100000"/>
+              </a:lnSpc>
+            </a:pPr>
+            <a:r>
+              <a:rPr lang="en-US" sz="730" b="0" strike="noStrike" spc="-1" dirty="0">
+                <a:solidFill>
+                  <a:srgbClr val="000000"/>
+                </a:solidFill>
+                <a:latin typeface="Arial"/>
+              </a:rPr>
+              <a:t>All flight dynamic calculation is executed in this single component.</a:t>
+            </a:r>
+            <a:endParaRPr lang="en-US" sz="730" b="0" strike="noStrike" spc="-1" dirty="0">
+              <a:latin typeface="Arial"/>
+            </a:endParaRPr>
+          </a:p>
+        </p:txBody>
+      </p:sp>
+      <p:sp>
+        <p:nvSpPr>
+          <p:cNvPr id="4" name="直線矢印コネクタ 11">
+            <a:extLst>
+              <a:ext uri="{FF2B5EF4-FFF2-40B4-BE49-F238E27FC236}">
+                <a16:creationId xmlns:a16="http://schemas.microsoft.com/office/drawing/2014/main" id="{B03A279B-F6D4-413A-8C78-2486F0981E97}"/>
+              </a:ext>
+            </a:extLst>
+          </p:cNvPr>
+          <p:cNvSpPr/>
+          <p:nvPr/>
+        </p:nvSpPr>
+        <p:spPr>
+          <a:xfrm flipH="1">
+            <a:off x="6755760" y="2779200"/>
+            <a:ext cx="100800" cy="717120"/>
+          </a:xfrm>
+          <a:custGeom>
+            <a:avLst/>
+            <a:gdLst/>
+            <a:ahLst/>
+            <a:cxnLst/>
+            <a:rect l="l" t="t" r="r" b="b"/>
+            <a:pathLst>
+              <a:path w="21600" h="21600">
+                <a:moveTo>
+                  <a:pt x="0" y="0"/>
+                </a:moveTo>
+                <a:lnTo>
+                  <a:pt x="21600" y="21600"/>
+                </a:lnTo>
+              </a:path>
+            </a:pathLst>
+          </a:custGeom>
+          <a:noFill/>
+          <a:ln w="12700">
+            <a:solidFill>
+              <a:srgbClr val="000000"/>
+            </a:solidFill>
+          </a:ln>
+        </p:spPr>
+        <p:style>
+          <a:lnRef idx="1">
+            <a:schemeClr val="accent1"/>
+          </a:lnRef>
+          <a:fillRef idx="0">
+            <a:schemeClr val="accent1"/>
+          </a:fillRef>
+          <a:effectRef idx="0">
+            <a:schemeClr val="accent1"/>
+          </a:effectRef>
+          <a:fontRef idx="minor"/>
+        </p:style>
+      </p:sp>
+      <p:sp>
+        <p:nvSpPr>
+          <p:cNvPr id="5" name="テキスト ボックス 8">
+            <a:extLst>
+              <a:ext uri="{FF2B5EF4-FFF2-40B4-BE49-F238E27FC236}">
+                <a16:creationId xmlns:a16="http://schemas.microsoft.com/office/drawing/2014/main" id="{4CB1E3C2-62F1-4ADC-8874-F6EB30CB83F8}"/>
+              </a:ext>
+            </a:extLst>
+          </p:cNvPr>
+          <p:cNvSpPr/>
+          <p:nvPr/>
+        </p:nvSpPr>
+        <p:spPr>
+          <a:xfrm>
+            <a:off x="1995776" y="3820022"/>
+            <a:ext cx="1314963" cy="656561"/>
+          </a:xfrm>
+          <a:prstGeom prst="rect">
+            <a:avLst/>
+          </a:prstGeom>
+          <a:solidFill>
+            <a:srgbClr val="00B0F0">
+              <a:alpha val="40000"/>
+            </a:srgbClr>
+          </a:solidFill>
+          <a:ln w="0">
+            <a:solidFill>
+              <a:srgbClr val="000000"/>
+            </a:solidFill>
+          </a:ln>
+        </p:spPr>
+        <p:style>
+          <a:lnRef idx="0">
+            <a:scrgbClr r="0" g="0" b="0"/>
+          </a:lnRef>
+          <a:fillRef idx="0">
+            <a:scrgbClr r="0" g="0" b="0"/>
+          </a:fillRef>
+          <a:effectRef idx="0">
+            <a:scrgbClr r="0" g="0" b="0"/>
+          </a:effectRef>
+          <a:fontRef idx="minor"/>
+        </p:style>
+        <p:txBody>
+          <a:bodyPr lIns="90000" tIns="45000" rIns="90000" bIns="45000">
+            <a:noAutofit/>
+          </a:bodyPr>
+          <a:lstStyle/>
+          <a:p>
+            <a:pPr>
+              <a:lnSpc>
+                <a:spcPct val="100000"/>
+              </a:lnSpc>
+            </a:pPr>
+            <a:r>
+              <a:rPr lang="en-US" sz="730" b="0" strike="noStrike" spc="-1" dirty="0">
+                <a:latin typeface="Arial"/>
+              </a:rPr>
+              <a:t>Input: Flight control</a:t>
+            </a:r>
+          </a:p>
+          <a:p>
+            <a:pPr>
+              <a:lnSpc>
+                <a:spcPct val="100000"/>
+              </a:lnSpc>
+            </a:pPr>
+            <a:r>
+              <a:rPr lang="en-US" sz="730" spc="-1" dirty="0">
+                <a:latin typeface="Arial"/>
+              </a:rPr>
+              <a:t>-. Change in Elevator</a:t>
+            </a:r>
+          </a:p>
+          <a:p>
+            <a:pPr>
+              <a:lnSpc>
+                <a:spcPct val="100000"/>
+              </a:lnSpc>
+            </a:pPr>
+            <a:r>
+              <a:rPr lang="en-US" sz="730" b="0" strike="noStrike" spc="-1" dirty="0">
+                <a:latin typeface="Arial"/>
+              </a:rPr>
+              <a:t>-. Change in thrust</a:t>
+            </a:r>
+          </a:p>
+          <a:p>
+            <a:pPr>
+              <a:lnSpc>
+                <a:spcPct val="100000"/>
+              </a:lnSpc>
+            </a:pPr>
+            <a:r>
+              <a:rPr lang="en-US" sz="730" spc="-1" dirty="0">
+                <a:latin typeface="Arial"/>
+              </a:rPr>
+              <a:t>-. Change in Aileron</a:t>
+            </a:r>
+          </a:p>
+          <a:p>
+            <a:pPr>
+              <a:lnSpc>
+                <a:spcPct val="100000"/>
+              </a:lnSpc>
+            </a:pPr>
+            <a:r>
+              <a:rPr lang="en-US" sz="730" b="0" strike="noStrike" spc="-1" dirty="0">
+                <a:latin typeface="Arial"/>
+              </a:rPr>
+              <a:t>-. Change in Rudder</a:t>
+            </a:r>
+          </a:p>
+        </p:txBody>
+      </p:sp>
+      <p:sp>
+        <p:nvSpPr>
+          <p:cNvPr id="6" name="直線矢印コネクタ 9">
+            <a:extLst>
+              <a:ext uri="{FF2B5EF4-FFF2-40B4-BE49-F238E27FC236}">
+                <a16:creationId xmlns:a16="http://schemas.microsoft.com/office/drawing/2014/main" id="{F5FE2E10-6FF2-4ED6-B8E5-993B368AB394}"/>
+              </a:ext>
+            </a:extLst>
+          </p:cNvPr>
+          <p:cNvSpPr/>
+          <p:nvPr/>
+        </p:nvSpPr>
+        <p:spPr>
+          <a:xfrm flipV="1">
+            <a:off x="3310740" y="4081007"/>
+            <a:ext cx="2452112" cy="45719"/>
+          </a:xfrm>
+          <a:custGeom>
+            <a:avLst/>
+            <a:gdLst/>
+            <a:ahLst/>
+            <a:cxnLst/>
+            <a:rect l="l" t="t" r="r" b="b"/>
+            <a:pathLst>
+              <a:path w="21600" h="21600">
+                <a:moveTo>
+                  <a:pt x="0" y="0"/>
+                </a:moveTo>
+                <a:lnTo>
+                  <a:pt x="21600" y="21600"/>
+                </a:lnTo>
+              </a:path>
+            </a:pathLst>
+          </a:custGeom>
+          <a:noFill/>
+          <a:ln w="12700">
+            <a:solidFill>
+              <a:srgbClr val="000000"/>
+            </a:solidFill>
+            <a:tailEnd type="oval" w="sm" len="sm"/>
+          </a:ln>
+        </p:spPr>
+        <p:style>
+          <a:lnRef idx="1">
+            <a:schemeClr val="accent1"/>
+          </a:lnRef>
+          <a:fillRef idx="0">
+            <a:schemeClr val="accent1"/>
+          </a:fillRef>
+          <a:effectRef idx="0">
+            <a:schemeClr val="accent1"/>
+          </a:effectRef>
+          <a:fontRef idx="minor"/>
+        </p:style>
+      </p:sp>
+      <p:sp>
+        <p:nvSpPr>
+          <p:cNvPr id="7" name="右大かっこ 10">
+            <a:extLst>
+              <a:ext uri="{FF2B5EF4-FFF2-40B4-BE49-F238E27FC236}">
+                <a16:creationId xmlns:a16="http://schemas.microsoft.com/office/drawing/2014/main" id="{B5B92045-72BE-4668-9DF0-6DFB4D34C875}"/>
+              </a:ext>
+            </a:extLst>
+          </p:cNvPr>
+          <p:cNvSpPr/>
+          <p:nvPr/>
+        </p:nvSpPr>
+        <p:spPr>
+          <a:xfrm rot="10800000">
+            <a:off x="5762853" y="3369339"/>
+            <a:ext cx="207504" cy="1472328"/>
+          </a:xfrm>
+          <a:prstGeom prst="rightBracket">
+            <a:avLst>
+              <a:gd name="adj" fmla="val 44904"/>
+            </a:avLst>
+          </a:prstGeom>
+          <a:noFill/>
+          <a:ln>
+            <a:solidFill>
+              <a:srgbClr val="000000"/>
+            </a:solidFill>
+          </a:ln>
+        </p:spPr>
+        <p:style>
+          <a:lnRef idx="2">
+            <a:schemeClr val="dk1"/>
+          </a:lnRef>
+          <a:fillRef idx="0">
+            <a:schemeClr val="dk1"/>
+          </a:fillRef>
+          <a:effectRef idx="1">
+            <a:schemeClr val="dk1"/>
+          </a:effectRef>
+          <a:fontRef idx="minor"/>
+        </p:style>
+      </p:sp>
+      <p:sp>
+        <p:nvSpPr>
+          <p:cNvPr id="8" name="テキスト ボックス 2">
+            <a:extLst>
+              <a:ext uri="{FF2B5EF4-FFF2-40B4-BE49-F238E27FC236}">
+                <a16:creationId xmlns:a16="http://schemas.microsoft.com/office/drawing/2014/main" id="{6C31D82A-ECAE-421D-9F81-6DAD64F3D4AD}"/>
+              </a:ext>
+            </a:extLst>
+          </p:cNvPr>
+          <p:cNvSpPr/>
+          <p:nvPr/>
+        </p:nvSpPr>
+        <p:spPr>
+          <a:xfrm>
+            <a:off x="2262482" y="1516679"/>
+            <a:ext cx="1724760" cy="502951"/>
+          </a:xfrm>
+          <a:prstGeom prst="rect">
+            <a:avLst/>
+          </a:prstGeom>
+          <a:solidFill>
+            <a:srgbClr val="92D050">
+              <a:alpha val="40000"/>
+            </a:srgbClr>
+          </a:solidFill>
+          <a:ln w="0">
+            <a:solidFill>
+              <a:srgbClr val="000000"/>
+            </a:solidFill>
+          </a:ln>
+        </p:spPr>
+        <p:style>
+          <a:lnRef idx="0">
+            <a:scrgbClr r="0" g="0" b="0"/>
+          </a:lnRef>
+          <a:fillRef idx="0">
+            <a:scrgbClr r="0" g="0" b="0"/>
+          </a:fillRef>
+          <a:effectRef idx="0">
+            <a:scrgbClr r="0" g="0" b="0"/>
+          </a:effectRef>
+          <a:fontRef idx="minor"/>
+        </p:style>
+        <p:txBody>
+          <a:bodyPr lIns="90000" tIns="45000" rIns="90000" bIns="45000">
+            <a:noAutofit/>
+          </a:bodyPr>
+          <a:lstStyle/>
+          <a:p>
+            <a:pPr>
+              <a:lnSpc>
+                <a:spcPct val="100000"/>
+              </a:lnSpc>
+            </a:pPr>
+            <a:r>
+              <a:rPr lang="en-US" sz="730" b="0" strike="noStrike" spc="-1" dirty="0">
+                <a:solidFill>
+                  <a:srgbClr val="000000"/>
+                </a:solidFill>
+                <a:latin typeface="Arial"/>
+              </a:rPr>
+              <a:t>This outer component provides global constants, such as “g” value, to dynamics component</a:t>
+            </a:r>
+            <a:endParaRPr lang="en-US" sz="730" b="0" strike="noStrike" spc="-1" dirty="0">
+              <a:latin typeface="Arial"/>
+            </a:endParaRPr>
+          </a:p>
+        </p:txBody>
+      </p:sp>
+      <p:sp>
+        <p:nvSpPr>
+          <p:cNvPr id="9" name="直線矢印コネクタ 3">
+            <a:extLst>
+              <a:ext uri="{FF2B5EF4-FFF2-40B4-BE49-F238E27FC236}">
+                <a16:creationId xmlns:a16="http://schemas.microsoft.com/office/drawing/2014/main" id="{B6105F4B-E50D-4077-B74E-8A1C3A250AE2}"/>
+              </a:ext>
+            </a:extLst>
+          </p:cNvPr>
+          <p:cNvSpPr/>
+          <p:nvPr/>
+        </p:nvSpPr>
+        <p:spPr>
+          <a:xfrm flipV="1">
+            <a:off x="3124862" y="1254317"/>
+            <a:ext cx="978753" cy="262362"/>
+          </a:xfrm>
+          <a:custGeom>
+            <a:avLst/>
+            <a:gdLst/>
+            <a:ahLst/>
+            <a:cxnLst/>
+            <a:rect l="l" t="t" r="r" b="b"/>
+            <a:pathLst>
+              <a:path w="21600" h="21600">
+                <a:moveTo>
+                  <a:pt x="0" y="0"/>
+                </a:moveTo>
+                <a:lnTo>
+                  <a:pt x="21600" y="21600"/>
+                </a:lnTo>
+              </a:path>
+            </a:pathLst>
+          </a:custGeom>
+          <a:noFill/>
+          <a:ln w="12700">
+            <a:solidFill>
+              <a:srgbClr val="000000"/>
+            </a:solidFill>
+            <a:tailEnd type="oval" w="med" len="med"/>
+          </a:ln>
+        </p:spPr>
+        <p:style>
+          <a:lnRef idx="1">
+            <a:schemeClr val="accent1"/>
+          </a:lnRef>
+          <a:fillRef idx="0">
+            <a:schemeClr val="accent1"/>
+          </a:fillRef>
+          <a:effectRef idx="0">
+            <a:schemeClr val="accent1"/>
+          </a:effectRef>
+          <a:fontRef idx="minor"/>
+        </p:style>
+      </p:sp>
     </p:spTree>
   </p:cSld>
-  <mc:AlternateContent>
-    <mc:Choice Requires="p14">
-      <p:transition spd="slow" p14:dur="2000"/>
-    </mc:Choice>
-    <mc:Fallback>
-      <p:transition spd="slow"/>
-    </mc:Fallback>
-  </mc:AlternateContent>
+  <p:clrMapOvr>
+    <a:masterClrMapping/>
+  </p:clrMapOvr>
 </p:sld>
 </file>
 
 <file path=ppt/slides/slide7.xml><?xml version="1.0" encoding="utf-8"?>
-<p:sld xmlns:a="http://schemas.openxmlformats.org/drawingml/2006/main" xmlns:p="http://schemas.openxmlformats.org/presentationml/2006/main" xmlns:r="http://schemas.openxmlformats.org/officeDocument/2006/relationships" xmlns:p14="http://schemas.microsoft.com/office/powerpoint/2010/main" xmlns:p15="http://schemas.microsoft.com/office/powerpoint/2012/main" xmlns:mc="http://schemas.openxmlformats.org/markup-compatibility/2006">
+<p:sld xmlns:a="http://schemas.openxmlformats.org/drawingml/2006/main" xmlns:r="http://schemas.openxmlformats.org/officeDocument/2006/relationships" xmlns:p="http://schemas.openxmlformats.org/presentationml/2006/main">
   <p:cSld>
     <p:spTree>
       <p:nvGrpSpPr>
@@ -3358,14 +4306,9 @@
       </p:grpSpPr>
     </p:spTree>
   </p:cSld>
-  <mc:AlternateContent>
-    <mc:Choice Requires="p14">
-      <p:transition spd="slow" p14:dur="2000"/>
-    </mc:Choice>
-    <mc:Fallback>
-      <p:transition spd="slow"/>
-    </mc:Fallback>
-  </mc:AlternateContent>
+  <p:clrMapOvr>
+    <a:masterClrMapping/>
+  </p:clrMapOvr>
 </p:sld>
 </file>
 
@@ -3380,34 +4323,34 @@
         <a:sysClr val="window" lastClr="FFFFFF"/>
       </a:lt1>
       <a:dk2>
-        <a:srgbClr val="44546a"/>
+        <a:srgbClr val="44546A"/>
       </a:dk2>
       <a:lt2>
-        <a:srgbClr val="e7e6e6"/>
+        <a:srgbClr val="E7E6E6"/>
       </a:lt2>
       <a:accent1>
-        <a:srgbClr val="4472c4"/>
+        <a:srgbClr val="4472C4"/>
       </a:accent1>
       <a:accent2>
-        <a:srgbClr val="ed7d31"/>
+        <a:srgbClr val="ED7D31"/>
       </a:accent2>
       <a:accent3>
-        <a:srgbClr val="a5a5a5"/>
+        <a:srgbClr val="A5A5A5"/>
       </a:accent3>
       <a:accent4>
-        <a:srgbClr val="ffc000"/>
+        <a:srgbClr val="FFC000"/>
       </a:accent4>
       <a:accent5>
-        <a:srgbClr val="5b9bd5"/>
+        <a:srgbClr val="5B9BD5"/>
       </a:accent5>
       <a:accent6>
-        <a:srgbClr val="70ad47"/>
+        <a:srgbClr val="70AD47"/>
       </a:accent6>
       <a:hlink>
-        <a:srgbClr val="0563c1"/>
+        <a:srgbClr val="0563C1"/>
       </a:hlink>
       <a:folHlink>
-        <a:srgbClr val="954f72"/>
+        <a:srgbClr val="954F72"/>
       </a:folHlink>
     </a:clrScheme>
     <a:fontScheme name="Office">
@@ -3592,5 +4535,7 @@
       </a:bgFillStyleLst>
     </a:fmtScheme>
   </a:themeElements>
+  <a:objectDefaults/>
+  <a:extraClrSchemeLst/>
 </a:theme>
 </file>